--- a/Project Presentation Template.pptx
+++ b/Project Presentation Template.pptx
@@ -6,6 +6,18 @@
   </p:sldMasterIdLst>
   <p:sldIdLst>
     <p:sldId id="256" r:id="rId2"/>
+    <p:sldId id="258" r:id="rId3"/>
+    <p:sldId id="257" r:id="rId4"/>
+    <p:sldId id="259" r:id="rId5"/>
+    <p:sldId id="260" r:id="rId6"/>
+    <p:sldId id="261" r:id="rId7"/>
+    <p:sldId id="262" r:id="rId8"/>
+    <p:sldId id="265" r:id="rId9"/>
+    <p:sldId id="266" r:id="rId10"/>
+    <p:sldId id="267" r:id="rId11"/>
+    <p:sldId id="268" r:id="rId12"/>
+    <p:sldId id="263" r:id="rId13"/>
+    <p:sldId id="264" r:id="rId14"/>
   </p:sldIdLst>
   <p:sldSz cx="12192000" cy="6858000"/>
   <p:notesSz cx="6858000" cy="9144000"/>
@@ -104,6 +116,11 @@
       </a:defRPr>
     </a:lvl9pPr>
   </p:defaultTextStyle>
+  <p:extLst>
+    <p:ext uri="{EFAFB233-063F-42B5-8137-9DF3F51BA10A}">
+      <p15:sldGuideLst xmlns:p15="http://schemas.microsoft.com/office/powerpoint/2012/main"/>
+    </p:ext>
+  </p:extLst>
 </p:presentation>
 </file>
 
@@ -254,7 +271,7 @@
           <a:p>
             <a:fld id="{F0115755-0214-4CC6-99A7-95D98871674A}" type="datetimeFigureOut">
               <a:rPr lang="en-US" smtClean="0"/>
-              <a:t>12/4/2022</a:t>
+              <a:t>12/5/2022</a:t>
             </a:fld>
             <a:endParaRPr lang="en-US"/>
           </a:p>
@@ -452,7 +469,7 @@
           <a:p>
             <a:fld id="{F0115755-0214-4CC6-99A7-95D98871674A}" type="datetimeFigureOut">
               <a:rPr lang="en-US" smtClean="0"/>
-              <a:t>12/4/2022</a:t>
+              <a:t>12/5/2022</a:t>
             </a:fld>
             <a:endParaRPr lang="en-US"/>
           </a:p>
@@ -660,7 +677,7 @@
           <a:p>
             <a:fld id="{F0115755-0214-4CC6-99A7-95D98871674A}" type="datetimeFigureOut">
               <a:rPr lang="en-US" smtClean="0"/>
-              <a:t>12/4/2022</a:t>
+              <a:t>12/5/2022</a:t>
             </a:fld>
             <a:endParaRPr lang="en-US"/>
           </a:p>
@@ -858,7 +875,7 @@
           <a:p>
             <a:fld id="{F0115755-0214-4CC6-99A7-95D98871674A}" type="datetimeFigureOut">
               <a:rPr lang="en-US" smtClean="0"/>
-              <a:t>12/4/2022</a:t>
+              <a:t>12/5/2022</a:t>
             </a:fld>
             <a:endParaRPr lang="en-US"/>
           </a:p>
@@ -1133,7 +1150,7 @@
           <a:p>
             <a:fld id="{F0115755-0214-4CC6-99A7-95D98871674A}" type="datetimeFigureOut">
               <a:rPr lang="en-US" smtClean="0"/>
-              <a:t>12/4/2022</a:t>
+              <a:t>12/5/2022</a:t>
             </a:fld>
             <a:endParaRPr lang="en-US"/>
           </a:p>
@@ -1398,7 +1415,7 @@
           <a:p>
             <a:fld id="{F0115755-0214-4CC6-99A7-95D98871674A}" type="datetimeFigureOut">
               <a:rPr lang="en-US" smtClean="0"/>
-              <a:t>12/4/2022</a:t>
+              <a:t>12/5/2022</a:t>
             </a:fld>
             <a:endParaRPr lang="en-US"/>
           </a:p>
@@ -1810,7 +1827,7 @@
           <a:p>
             <a:fld id="{F0115755-0214-4CC6-99A7-95D98871674A}" type="datetimeFigureOut">
               <a:rPr lang="en-US" smtClean="0"/>
-              <a:t>12/4/2022</a:t>
+              <a:t>12/5/2022</a:t>
             </a:fld>
             <a:endParaRPr lang="en-US"/>
           </a:p>
@@ -1951,7 +1968,7 @@
           <a:p>
             <a:fld id="{F0115755-0214-4CC6-99A7-95D98871674A}" type="datetimeFigureOut">
               <a:rPr lang="en-US" smtClean="0"/>
-              <a:t>12/4/2022</a:t>
+              <a:t>12/5/2022</a:t>
             </a:fld>
             <a:endParaRPr lang="en-US"/>
           </a:p>
@@ -2064,7 +2081,7 @@
           <a:p>
             <a:fld id="{F0115755-0214-4CC6-99A7-95D98871674A}" type="datetimeFigureOut">
               <a:rPr lang="en-US" smtClean="0"/>
-              <a:t>12/4/2022</a:t>
+              <a:t>12/5/2022</a:t>
             </a:fld>
             <a:endParaRPr lang="en-US"/>
           </a:p>
@@ -2375,7 +2392,7 @@
           <a:p>
             <a:fld id="{F0115755-0214-4CC6-99A7-95D98871674A}" type="datetimeFigureOut">
               <a:rPr lang="en-US" smtClean="0"/>
-              <a:t>12/4/2022</a:t>
+              <a:t>12/5/2022</a:t>
             </a:fld>
             <a:endParaRPr lang="en-US"/>
           </a:p>
@@ -2663,7 +2680,7 @@
           <a:p>
             <a:fld id="{F0115755-0214-4CC6-99A7-95D98871674A}" type="datetimeFigureOut">
               <a:rPr lang="en-US" smtClean="0"/>
-              <a:t>12/4/2022</a:t>
+              <a:t>12/5/2022</a:t>
             </a:fld>
             <a:endParaRPr lang="en-US"/>
           </a:p>
@@ -2904,7 +2921,7 @@
           <a:p>
             <a:fld id="{F0115755-0214-4CC6-99A7-95D98871674A}" type="datetimeFigureOut">
               <a:rPr lang="en-US" smtClean="0"/>
-              <a:t>12/4/2022</a:t>
+              <a:t>12/5/2022</a:t>
             </a:fld>
             <a:endParaRPr lang="en-US"/>
           </a:p>
@@ -3422,6 +3439,1215 @@
 </p:sld>
 </file>
 
+<file path=ppt/slides/slide10.xml><?xml version="1.0" encoding="utf-8"?>
+<p:sld xmlns:a="http://schemas.openxmlformats.org/drawingml/2006/main" xmlns:r="http://schemas.openxmlformats.org/officeDocument/2006/relationships" xmlns:p="http://schemas.openxmlformats.org/presentationml/2006/main">
+  <p:cSld>
+    <p:spTree>
+      <p:nvGrpSpPr>
+        <p:cNvPr id="1" name=""/>
+        <p:cNvGrpSpPr/>
+        <p:nvPr/>
+      </p:nvGrpSpPr>
+      <p:grpSpPr>
+        <a:xfrm>
+          <a:off x="0" y="0"/>
+          <a:ext cx="0" cy="0"/>
+          <a:chOff x="0" y="0"/>
+          <a:chExt cx="0" cy="0"/>
+        </a:xfrm>
+      </p:grpSpPr>
+      <p:sp>
+        <p:nvSpPr>
+          <p:cNvPr id="4" name="Title 3">
+            <a:extLst>
+              <a:ext uri="{FF2B5EF4-FFF2-40B4-BE49-F238E27FC236}">
+                <a16:creationId xmlns:a16="http://schemas.microsoft.com/office/drawing/2014/main" id="{A8348381-F94E-1E08-559A-B780DCA65C20}"/>
+              </a:ext>
+            </a:extLst>
+          </p:cNvPr>
+          <p:cNvSpPr>
+            <a:spLocks noGrp="1"/>
+          </p:cNvSpPr>
+          <p:nvPr>
+            <p:ph type="title"/>
+          </p:nvPr>
+        </p:nvSpPr>
+        <p:spPr/>
+        <p:txBody>
+          <a:bodyPr/>
+          <a:lstStyle/>
+          <a:p>
+            <a:r>
+              <a:rPr lang="en-US" dirty="0"/>
+              <a:t>Descriptive Analytics </a:t>
+            </a:r>
+          </a:p>
+        </p:txBody>
+      </p:sp>
+      <p:sp>
+        <p:nvSpPr>
+          <p:cNvPr id="5" name="Text Placeholder 4">
+            <a:extLst>
+              <a:ext uri="{FF2B5EF4-FFF2-40B4-BE49-F238E27FC236}">
+                <a16:creationId xmlns:a16="http://schemas.microsoft.com/office/drawing/2014/main" id="{25519FC3-21BA-ECC8-2CCC-89A5CB1A363F}"/>
+              </a:ext>
+            </a:extLst>
+          </p:cNvPr>
+          <p:cNvSpPr>
+            <a:spLocks noGrp="1"/>
+          </p:cNvSpPr>
+          <p:nvPr>
+            <p:ph type="body" idx="1"/>
+          </p:nvPr>
+        </p:nvSpPr>
+        <p:spPr/>
+        <p:txBody>
+          <a:bodyPr/>
+          <a:lstStyle/>
+          <a:p>
+            <a:endParaRPr lang="en-US"/>
+          </a:p>
+        </p:txBody>
+      </p:sp>
+    </p:spTree>
+    <p:extLst>
+      <p:ext uri="{BB962C8B-B14F-4D97-AF65-F5344CB8AC3E}">
+        <p14:creationId xmlns:p14="http://schemas.microsoft.com/office/powerpoint/2010/main" val="650729950"/>
+      </p:ext>
+    </p:extLst>
+  </p:cSld>
+  <p:clrMapOvr>
+    <a:masterClrMapping/>
+  </p:clrMapOvr>
+</p:sld>
+</file>
+
+<file path=ppt/slides/slide11.xml><?xml version="1.0" encoding="utf-8"?>
+<p:sld xmlns:a="http://schemas.openxmlformats.org/drawingml/2006/main" xmlns:r="http://schemas.openxmlformats.org/officeDocument/2006/relationships" xmlns:p="http://schemas.openxmlformats.org/presentationml/2006/main">
+  <p:cSld>
+    <p:spTree>
+      <p:nvGrpSpPr>
+        <p:cNvPr id="1" name=""/>
+        <p:cNvGrpSpPr/>
+        <p:nvPr/>
+      </p:nvGrpSpPr>
+      <p:grpSpPr>
+        <a:xfrm>
+          <a:off x="0" y="0"/>
+          <a:ext cx="0" cy="0"/>
+          <a:chOff x="0" y="0"/>
+          <a:chExt cx="0" cy="0"/>
+        </a:xfrm>
+      </p:grpSpPr>
+      <p:sp>
+        <p:nvSpPr>
+          <p:cNvPr id="2" name="Title 1">
+            <a:extLst>
+              <a:ext uri="{FF2B5EF4-FFF2-40B4-BE49-F238E27FC236}">
+                <a16:creationId xmlns:a16="http://schemas.microsoft.com/office/drawing/2014/main" id="{43EE6C72-03D5-F7F0-1189-4C7BA75BAA61}"/>
+              </a:ext>
+            </a:extLst>
+          </p:cNvPr>
+          <p:cNvSpPr>
+            <a:spLocks noGrp="1"/>
+          </p:cNvSpPr>
+          <p:nvPr>
+            <p:ph type="title"/>
+          </p:nvPr>
+        </p:nvSpPr>
+        <p:spPr/>
+        <p:txBody>
+          <a:bodyPr/>
+          <a:lstStyle/>
+          <a:p>
+            <a:r>
+              <a:rPr lang="en-US" dirty="0"/>
+              <a:t>Descriptive analytics </a:t>
+            </a:r>
+          </a:p>
+        </p:txBody>
+      </p:sp>
+      <p:sp>
+        <p:nvSpPr>
+          <p:cNvPr id="3" name="Content Placeholder 2">
+            <a:extLst>
+              <a:ext uri="{FF2B5EF4-FFF2-40B4-BE49-F238E27FC236}">
+                <a16:creationId xmlns:a16="http://schemas.microsoft.com/office/drawing/2014/main" id="{2CAC2674-75A1-6757-F8C2-5CD61FD6D8AE}"/>
+              </a:ext>
+            </a:extLst>
+          </p:cNvPr>
+          <p:cNvSpPr>
+            <a:spLocks noGrp="1"/>
+          </p:cNvSpPr>
+          <p:nvPr>
+            <p:ph idx="1"/>
+          </p:nvPr>
+        </p:nvSpPr>
+        <p:spPr/>
+        <p:txBody>
+          <a:bodyPr/>
+          <a:lstStyle/>
+          <a:p>
+            <a:r>
+              <a:rPr lang="en-US" dirty="0">
+                <a:highlight>
+                  <a:srgbClr val="FFFF00"/>
+                </a:highlight>
+              </a:rPr>
+              <a:t>Use clustering and association rules to describe the data </a:t>
+            </a:r>
+          </a:p>
+          <a:p>
+            <a:r>
+              <a:rPr lang="en-US" dirty="0">
+                <a:highlight>
+                  <a:srgbClr val="FFFF00"/>
+                </a:highlight>
+              </a:rPr>
+              <a:t>What are the findings? </a:t>
+            </a:r>
+          </a:p>
+          <a:p>
+            <a:r>
+              <a:rPr lang="en-US" dirty="0">
+                <a:highlight>
+                  <a:srgbClr val="FFFF00"/>
+                </a:highlight>
+              </a:rPr>
+              <a:t>Evaluate results</a:t>
+            </a:r>
+          </a:p>
+          <a:p>
+            <a:endParaRPr lang="en-US" dirty="0">
+              <a:highlight>
+                <a:srgbClr val="FFFF00"/>
+              </a:highlight>
+            </a:endParaRPr>
+          </a:p>
+        </p:txBody>
+      </p:sp>
+    </p:spTree>
+    <p:extLst>
+      <p:ext uri="{BB962C8B-B14F-4D97-AF65-F5344CB8AC3E}">
+        <p14:creationId xmlns:p14="http://schemas.microsoft.com/office/powerpoint/2010/main" val="2248834242"/>
+      </p:ext>
+    </p:extLst>
+  </p:cSld>
+  <p:clrMapOvr>
+    <a:masterClrMapping/>
+  </p:clrMapOvr>
+</p:sld>
+</file>
+
+<file path=ppt/slides/slide12.xml><?xml version="1.0" encoding="utf-8"?>
+<p:sld xmlns:a="http://schemas.openxmlformats.org/drawingml/2006/main" xmlns:r="http://schemas.openxmlformats.org/officeDocument/2006/relationships" xmlns:p="http://schemas.openxmlformats.org/presentationml/2006/main">
+  <p:cSld>
+    <p:spTree>
+      <p:nvGrpSpPr>
+        <p:cNvPr id="1" name=""/>
+        <p:cNvGrpSpPr/>
+        <p:nvPr/>
+      </p:nvGrpSpPr>
+      <p:grpSpPr>
+        <a:xfrm>
+          <a:off x="0" y="0"/>
+          <a:ext cx="0" cy="0"/>
+          <a:chOff x="0" y="0"/>
+          <a:chExt cx="0" cy="0"/>
+        </a:xfrm>
+      </p:grpSpPr>
+      <p:sp>
+        <p:nvSpPr>
+          <p:cNvPr id="4" name="Title 3">
+            <a:extLst>
+              <a:ext uri="{FF2B5EF4-FFF2-40B4-BE49-F238E27FC236}">
+                <a16:creationId xmlns:a16="http://schemas.microsoft.com/office/drawing/2014/main" id="{A8348381-F94E-1E08-559A-B780DCA65C20}"/>
+              </a:ext>
+            </a:extLst>
+          </p:cNvPr>
+          <p:cNvSpPr>
+            <a:spLocks noGrp="1"/>
+          </p:cNvSpPr>
+          <p:nvPr>
+            <p:ph type="title"/>
+          </p:nvPr>
+        </p:nvSpPr>
+        <p:spPr/>
+        <p:txBody>
+          <a:bodyPr/>
+          <a:lstStyle/>
+          <a:p>
+            <a:r>
+              <a:rPr lang="en-US" dirty="0"/>
+              <a:t>Predictive Analytics </a:t>
+            </a:r>
+          </a:p>
+        </p:txBody>
+      </p:sp>
+      <p:sp>
+        <p:nvSpPr>
+          <p:cNvPr id="5" name="Text Placeholder 4">
+            <a:extLst>
+              <a:ext uri="{FF2B5EF4-FFF2-40B4-BE49-F238E27FC236}">
+                <a16:creationId xmlns:a16="http://schemas.microsoft.com/office/drawing/2014/main" id="{25519FC3-21BA-ECC8-2CCC-89A5CB1A363F}"/>
+              </a:ext>
+            </a:extLst>
+          </p:cNvPr>
+          <p:cNvSpPr>
+            <a:spLocks noGrp="1"/>
+          </p:cNvSpPr>
+          <p:nvPr>
+            <p:ph type="body" idx="1"/>
+          </p:nvPr>
+        </p:nvSpPr>
+        <p:spPr/>
+        <p:txBody>
+          <a:bodyPr/>
+          <a:lstStyle/>
+          <a:p>
+            <a:endParaRPr lang="en-US"/>
+          </a:p>
+        </p:txBody>
+      </p:sp>
+    </p:spTree>
+    <p:extLst>
+      <p:ext uri="{BB962C8B-B14F-4D97-AF65-F5344CB8AC3E}">
+        <p14:creationId xmlns:p14="http://schemas.microsoft.com/office/powerpoint/2010/main" val="3752500180"/>
+      </p:ext>
+    </p:extLst>
+  </p:cSld>
+  <p:clrMapOvr>
+    <a:masterClrMapping/>
+  </p:clrMapOvr>
+</p:sld>
+</file>
+
+<file path=ppt/slides/slide13.xml><?xml version="1.0" encoding="utf-8"?>
+<p:sld xmlns:a="http://schemas.openxmlformats.org/drawingml/2006/main" xmlns:r="http://schemas.openxmlformats.org/officeDocument/2006/relationships" xmlns:p="http://schemas.openxmlformats.org/presentationml/2006/main">
+  <p:cSld>
+    <p:spTree>
+      <p:nvGrpSpPr>
+        <p:cNvPr id="1" name=""/>
+        <p:cNvGrpSpPr/>
+        <p:nvPr/>
+      </p:nvGrpSpPr>
+      <p:grpSpPr>
+        <a:xfrm>
+          <a:off x="0" y="0"/>
+          <a:ext cx="0" cy="0"/>
+          <a:chOff x="0" y="0"/>
+          <a:chExt cx="0" cy="0"/>
+        </a:xfrm>
+      </p:grpSpPr>
+      <p:sp>
+        <p:nvSpPr>
+          <p:cNvPr id="2" name="Title 1">
+            <a:extLst>
+              <a:ext uri="{FF2B5EF4-FFF2-40B4-BE49-F238E27FC236}">
+                <a16:creationId xmlns:a16="http://schemas.microsoft.com/office/drawing/2014/main" id="{43EE6C72-03D5-F7F0-1189-4C7BA75BAA61}"/>
+              </a:ext>
+            </a:extLst>
+          </p:cNvPr>
+          <p:cNvSpPr>
+            <a:spLocks noGrp="1"/>
+          </p:cNvSpPr>
+          <p:nvPr>
+            <p:ph type="title"/>
+          </p:nvPr>
+        </p:nvSpPr>
+        <p:spPr/>
+        <p:txBody>
+          <a:bodyPr/>
+          <a:lstStyle/>
+          <a:p>
+            <a:r>
+              <a:rPr lang="en-US" dirty="0"/>
+              <a:t>Predictive analytics </a:t>
+            </a:r>
+          </a:p>
+        </p:txBody>
+      </p:sp>
+      <p:sp>
+        <p:nvSpPr>
+          <p:cNvPr id="3" name="Content Placeholder 2">
+            <a:extLst>
+              <a:ext uri="{FF2B5EF4-FFF2-40B4-BE49-F238E27FC236}">
+                <a16:creationId xmlns:a16="http://schemas.microsoft.com/office/drawing/2014/main" id="{2CAC2674-75A1-6757-F8C2-5CD61FD6D8AE}"/>
+              </a:ext>
+            </a:extLst>
+          </p:cNvPr>
+          <p:cNvSpPr>
+            <a:spLocks noGrp="1"/>
+          </p:cNvSpPr>
+          <p:nvPr>
+            <p:ph idx="1"/>
+          </p:nvPr>
+        </p:nvSpPr>
+        <p:spPr/>
+        <p:txBody>
+          <a:bodyPr/>
+          <a:lstStyle/>
+          <a:p>
+            <a:r>
+              <a:rPr lang="en-US" dirty="0">
+                <a:highlight>
+                  <a:srgbClr val="FFFF00"/>
+                </a:highlight>
+              </a:rPr>
+              <a:t>Use machine learning models to predict the future (what will happen?)?</a:t>
+            </a:r>
+          </a:p>
+          <a:p>
+            <a:r>
+              <a:rPr lang="en-US" dirty="0">
+                <a:highlight>
+                  <a:srgbClr val="FFFF00"/>
+                </a:highlight>
+              </a:rPr>
+              <a:t>Compare ML results</a:t>
+            </a:r>
+          </a:p>
+          <a:p>
+            <a:r>
+              <a:rPr lang="en-US" dirty="0">
+                <a:highlight>
+                  <a:srgbClr val="FFFF00"/>
+                </a:highlight>
+              </a:rPr>
+              <a:t>Evaluate results</a:t>
+            </a:r>
+          </a:p>
+          <a:p>
+            <a:endParaRPr lang="en-US" dirty="0">
+              <a:highlight>
+                <a:srgbClr val="FFFF00"/>
+              </a:highlight>
+            </a:endParaRPr>
+          </a:p>
+          <a:p>
+            <a:endParaRPr lang="en-US" dirty="0">
+              <a:highlight>
+                <a:srgbClr val="FFFF00"/>
+              </a:highlight>
+            </a:endParaRPr>
+          </a:p>
+        </p:txBody>
+      </p:sp>
+    </p:spTree>
+    <p:extLst>
+      <p:ext uri="{BB962C8B-B14F-4D97-AF65-F5344CB8AC3E}">
+        <p14:creationId xmlns:p14="http://schemas.microsoft.com/office/powerpoint/2010/main" val="3821526636"/>
+      </p:ext>
+    </p:extLst>
+  </p:cSld>
+  <p:clrMapOvr>
+    <a:masterClrMapping/>
+  </p:clrMapOvr>
+</p:sld>
+</file>
+
+<file path=ppt/slides/slide2.xml><?xml version="1.0" encoding="utf-8"?>
+<p:sld xmlns:a="http://schemas.openxmlformats.org/drawingml/2006/main" xmlns:r="http://schemas.openxmlformats.org/officeDocument/2006/relationships" xmlns:p="http://schemas.openxmlformats.org/presentationml/2006/main">
+  <p:cSld>
+    <p:spTree>
+      <p:nvGrpSpPr>
+        <p:cNvPr id="1" name=""/>
+        <p:cNvGrpSpPr/>
+        <p:nvPr/>
+      </p:nvGrpSpPr>
+      <p:grpSpPr>
+        <a:xfrm>
+          <a:off x="0" y="0"/>
+          <a:ext cx="0" cy="0"/>
+          <a:chOff x="0" y="0"/>
+          <a:chExt cx="0" cy="0"/>
+        </a:xfrm>
+      </p:grpSpPr>
+      <p:sp>
+        <p:nvSpPr>
+          <p:cNvPr id="4" name="Title 3">
+            <a:extLst>
+              <a:ext uri="{FF2B5EF4-FFF2-40B4-BE49-F238E27FC236}">
+                <a16:creationId xmlns:a16="http://schemas.microsoft.com/office/drawing/2014/main" id="{A8348381-F94E-1E08-559A-B780DCA65C20}"/>
+              </a:ext>
+            </a:extLst>
+          </p:cNvPr>
+          <p:cNvSpPr>
+            <a:spLocks noGrp="1"/>
+          </p:cNvSpPr>
+          <p:nvPr>
+            <p:ph type="title"/>
+          </p:nvPr>
+        </p:nvSpPr>
+        <p:spPr/>
+        <p:txBody>
+          <a:bodyPr/>
+          <a:lstStyle/>
+          <a:p>
+            <a:r>
+              <a:rPr lang="en-US" dirty="0"/>
+              <a:t>About the domain</a:t>
+            </a:r>
+          </a:p>
+        </p:txBody>
+      </p:sp>
+      <p:sp>
+        <p:nvSpPr>
+          <p:cNvPr id="5" name="Text Placeholder 4">
+            <a:extLst>
+              <a:ext uri="{FF2B5EF4-FFF2-40B4-BE49-F238E27FC236}">
+                <a16:creationId xmlns:a16="http://schemas.microsoft.com/office/drawing/2014/main" id="{25519FC3-21BA-ECC8-2CCC-89A5CB1A363F}"/>
+              </a:ext>
+            </a:extLst>
+          </p:cNvPr>
+          <p:cNvSpPr>
+            <a:spLocks noGrp="1"/>
+          </p:cNvSpPr>
+          <p:nvPr>
+            <p:ph type="body" idx="1"/>
+          </p:nvPr>
+        </p:nvSpPr>
+        <p:spPr/>
+        <p:txBody>
+          <a:bodyPr/>
+          <a:lstStyle/>
+          <a:p>
+            <a:endParaRPr lang="en-US"/>
+          </a:p>
+        </p:txBody>
+      </p:sp>
+    </p:spTree>
+    <p:extLst>
+      <p:ext uri="{BB962C8B-B14F-4D97-AF65-F5344CB8AC3E}">
+        <p14:creationId xmlns:p14="http://schemas.microsoft.com/office/powerpoint/2010/main" val="3318840614"/>
+      </p:ext>
+    </p:extLst>
+  </p:cSld>
+  <p:clrMapOvr>
+    <a:masterClrMapping/>
+  </p:clrMapOvr>
+</p:sld>
+</file>
+
+<file path=ppt/slides/slide3.xml><?xml version="1.0" encoding="utf-8"?>
+<p:sld xmlns:a="http://schemas.openxmlformats.org/drawingml/2006/main" xmlns:r="http://schemas.openxmlformats.org/officeDocument/2006/relationships" xmlns:p="http://schemas.openxmlformats.org/presentationml/2006/main">
+  <p:cSld>
+    <p:spTree>
+      <p:nvGrpSpPr>
+        <p:cNvPr id="1" name=""/>
+        <p:cNvGrpSpPr/>
+        <p:nvPr/>
+      </p:nvGrpSpPr>
+      <p:grpSpPr>
+        <a:xfrm>
+          <a:off x="0" y="0"/>
+          <a:ext cx="0" cy="0"/>
+          <a:chOff x="0" y="0"/>
+          <a:chExt cx="0" cy="0"/>
+        </a:xfrm>
+      </p:grpSpPr>
+      <p:sp>
+        <p:nvSpPr>
+          <p:cNvPr id="2" name="Title 1">
+            <a:extLst>
+              <a:ext uri="{FF2B5EF4-FFF2-40B4-BE49-F238E27FC236}">
+                <a16:creationId xmlns:a16="http://schemas.microsoft.com/office/drawing/2014/main" id="{43EE6C72-03D5-F7F0-1189-4C7BA75BAA61}"/>
+              </a:ext>
+            </a:extLst>
+          </p:cNvPr>
+          <p:cNvSpPr>
+            <a:spLocks noGrp="1"/>
+          </p:cNvSpPr>
+          <p:nvPr>
+            <p:ph type="title"/>
+          </p:nvPr>
+        </p:nvSpPr>
+        <p:spPr/>
+        <p:txBody>
+          <a:bodyPr/>
+          <a:lstStyle/>
+          <a:p>
+            <a:r>
+              <a:rPr lang="en-US" dirty="0"/>
+              <a:t>About the domain</a:t>
+            </a:r>
+          </a:p>
+        </p:txBody>
+      </p:sp>
+      <p:sp>
+        <p:nvSpPr>
+          <p:cNvPr id="3" name="Content Placeholder 2">
+            <a:extLst>
+              <a:ext uri="{FF2B5EF4-FFF2-40B4-BE49-F238E27FC236}">
+                <a16:creationId xmlns:a16="http://schemas.microsoft.com/office/drawing/2014/main" id="{2CAC2674-75A1-6757-F8C2-5CD61FD6D8AE}"/>
+              </a:ext>
+            </a:extLst>
+          </p:cNvPr>
+          <p:cNvSpPr>
+            <a:spLocks noGrp="1"/>
+          </p:cNvSpPr>
+          <p:nvPr>
+            <p:ph idx="1"/>
+          </p:nvPr>
+        </p:nvSpPr>
+        <p:spPr/>
+        <p:txBody>
+          <a:bodyPr/>
+          <a:lstStyle/>
+          <a:p>
+            <a:r>
+              <a:rPr lang="en-US" dirty="0">
+                <a:highlight>
+                  <a:srgbClr val="FFFF00"/>
+                </a:highlight>
+              </a:rPr>
+              <a:t>Describe the business domain of the dataset here</a:t>
+            </a:r>
+          </a:p>
+          <a:p>
+            <a:r>
+              <a:rPr lang="en-US" dirty="0">
+                <a:highlight>
+                  <a:srgbClr val="FFFF00"/>
+                </a:highlight>
+              </a:rPr>
+              <a:t>Add slides as you want </a:t>
+            </a:r>
+          </a:p>
+        </p:txBody>
+      </p:sp>
+    </p:spTree>
+    <p:extLst>
+      <p:ext uri="{BB962C8B-B14F-4D97-AF65-F5344CB8AC3E}">
+        <p14:creationId xmlns:p14="http://schemas.microsoft.com/office/powerpoint/2010/main" val="3756280653"/>
+      </p:ext>
+    </p:extLst>
+  </p:cSld>
+  <p:clrMapOvr>
+    <a:masterClrMapping/>
+  </p:clrMapOvr>
+</p:sld>
+</file>
+
+<file path=ppt/slides/slide4.xml><?xml version="1.0" encoding="utf-8"?>
+<p:sld xmlns:a="http://schemas.openxmlformats.org/drawingml/2006/main" xmlns:r="http://schemas.openxmlformats.org/officeDocument/2006/relationships" xmlns:p="http://schemas.openxmlformats.org/presentationml/2006/main">
+  <p:cSld>
+    <p:spTree>
+      <p:nvGrpSpPr>
+        <p:cNvPr id="1" name=""/>
+        <p:cNvGrpSpPr/>
+        <p:nvPr/>
+      </p:nvGrpSpPr>
+      <p:grpSpPr>
+        <a:xfrm>
+          <a:off x="0" y="0"/>
+          <a:ext cx="0" cy="0"/>
+          <a:chOff x="0" y="0"/>
+          <a:chExt cx="0" cy="0"/>
+        </a:xfrm>
+      </p:grpSpPr>
+      <p:sp>
+        <p:nvSpPr>
+          <p:cNvPr id="4" name="Title 3">
+            <a:extLst>
+              <a:ext uri="{FF2B5EF4-FFF2-40B4-BE49-F238E27FC236}">
+                <a16:creationId xmlns:a16="http://schemas.microsoft.com/office/drawing/2014/main" id="{A8348381-F94E-1E08-559A-B780DCA65C20}"/>
+              </a:ext>
+            </a:extLst>
+          </p:cNvPr>
+          <p:cNvSpPr>
+            <a:spLocks noGrp="1"/>
+          </p:cNvSpPr>
+          <p:nvPr>
+            <p:ph type="title"/>
+          </p:nvPr>
+        </p:nvSpPr>
+        <p:spPr/>
+        <p:txBody>
+          <a:bodyPr/>
+          <a:lstStyle/>
+          <a:p>
+            <a:r>
+              <a:rPr lang="en-US" dirty="0"/>
+              <a:t>About the data</a:t>
+            </a:r>
+          </a:p>
+        </p:txBody>
+      </p:sp>
+      <p:sp>
+        <p:nvSpPr>
+          <p:cNvPr id="5" name="Text Placeholder 4">
+            <a:extLst>
+              <a:ext uri="{FF2B5EF4-FFF2-40B4-BE49-F238E27FC236}">
+                <a16:creationId xmlns:a16="http://schemas.microsoft.com/office/drawing/2014/main" id="{25519FC3-21BA-ECC8-2CCC-89A5CB1A363F}"/>
+              </a:ext>
+            </a:extLst>
+          </p:cNvPr>
+          <p:cNvSpPr>
+            <a:spLocks noGrp="1"/>
+          </p:cNvSpPr>
+          <p:nvPr>
+            <p:ph type="body" idx="1"/>
+          </p:nvPr>
+        </p:nvSpPr>
+        <p:spPr/>
+        <p:txBody>
+          <a:bodyPr/>
+          <a:lstStyle/>
+          <a:p>
+            <a:endParaRPr lang="en-US"/>
+          </a:p>
+        </p:txBody>
+      </p:sp>
+    </p:spTree>
+    <p:extLst>
+      <p:ext uri="{BB962C8B-B14F-4D97-AF65-F5344CB8AC3E}">
+        <p14:creationId xmlns:p14="http://schemas.microsoft.com/office/powerpoint/2010/main" val="2898937329"/>
+      </p:ext>
+    </p:extLst>
+  </p:cSld>
+  <p:clrMapOvr>
+    <a:masterClrMapping/>
+  </p:clrMapOvr>
+</p:sld>
+</file>
+
+<file path=ppt/slides/slide5.xml><?xml version="1.0" encoding="utf-8"?>
+<p:sld xmlns:a="http://schemas.openxmlformats.org/drawingml/2006/main" xmlns:r="http://schemas.openxmlformats.org/officeDocument/2006/relationships" xmlns:p="http://schemas.openxmlformats.org/presentationml/2006/main">
+  <p:cSld>
+    <p:spTree>
+      <p:nvGrpSpPr>
+        <p:cNvPr id="1" name=""/>
+        <p:cNvGrpSpPr/>
+        <p:nvPr/>
+      </p:nvGrpSpPr>
+      <p:grpSpPr>
+        <a:xfrm>
+          <a:off x="0" y="0"/>
+          <a:ext cx="0" cy="0"/>
+          <a:chOff x="0" y="0"/>
+          <a:chExt cx="0" cy="0"/>
+        </a:xfrm>
+      </p:grpSpPr>
+      <p:sp>
+        <p:nvSpPr>
+          <p:cNvPr id="2" name="Title 1">
+            <a:extLst>
+              <a:ext uri="{FF2B5EF4-FFF2-40B4-BE49-F238E27FC236}">
+                <a16:creationId xmlns:a16="http://schemas.microsoft.com/office/drawing/2014/main" id="{43EE6C72-03D5-F7F0-1189-4C7BA75BAA61}"/>
+              </a:ext>
+            </a:extLst>
+          </p:cNvPr>
+          <p:cNvSpPr>
+            <a:spLocks noGrp="1"/>
+          </p:cNvSpPr>
+          <p:nvPr>
+            <p:ph type="title"/>
+          </p:nvPr>
+        </p:nvSpPr>
+        <p:spPr/>
+        <p:txBody>
+          <a:bodyPr/>
+          <a:lstStyle/>
+          <a:p>
+            <a:r>
+              <a:rPr lang="en-US" dirty="0"/>
+              <a:t>About the domain</a:t>
+            </a:r>
+          </a:p>
+        </p:txBody>
+      </p:sp>
+      <p:sp>
+        <p:nvSpPr>
+          <p:cNvPr id="3" name="Content Placeholder 2">
+            <a:extLst>
+              <a:ext uri="{FF2B5EF4-FFF2-40B4-BE49-F238E27FC236}">
+                <a16:creationId xmlns:a16="http://schemas.microsoft.com/office/drawing/2014/main" id="{2CAC2674-75A1-6757-F8C2-5CD61FD6D8AE}"/>
+              </a:ext>
+            </a:extLst>
+          </p:cNvPr>
+          <p:cNvSpPr>
+            <a:spLocks noGrp="1"/>
+          </p:cNvSpPr>
+          <p:nvPr>
+            <p:ph idx="1"/>
+          </p:nvPr>
+        </p:nvSpPr>
+        <p:spPr/>
+        <p:txBody>
+          <a:bodyPr/>
+          <a:lstStyle/>
+          <a:p>
+            <a:r>
+              <a:rPr lang="en-US" dirty="0">
+                <a:highlight>
+                  <a:srgbClr val="FFFF00"/>
+                </a:highlight>
+              </a:rPr>
+              <a:t>Describe the dataset here</a:t>
+            </a:r>
+          </a:p>
+          <a:p>
+            <a:r>
+              <a:rPr lang="en-US" dirty="0">
+                <a:highlight>
+                  <a:srgbClr val="FFFF00"/>
+                </a:highlight>
+              </a:rPr>
+              <a:t>Add slides as you want </a:t>
+            </a:r>
+          </a:p>
+        </p:txBody>
+      </p:sp>
+    </p:spTree>
+    <p:extLst>
+      <p:ext uri="{BB962C8B-B14F-4D97-AF65-F5344CB8AC3E}">
+        <p14:creationId xmlns:p14="http://schemas.microsoft.com/office/powerpoint/2010/main" val="1589616354"/>
+      </p:ext>
+    </p:extLst>
+  </p:cSld>
+  <p:clrMapOvr>
+    <a:masterClrMapping/>
+  </p:clrMapOvr>
+</p:sld>
+</file>
+
+<file path=ppt/slides/slide6.xml><?xml version="1.0" encoding="utf-8"?>
+<p:sld xmlns:a="http://schemas.openxmlformats.org/drawingml/2006/main" xmlns:r="http://schemas.openxmlformats.org/officeDocument/2006/relationships" xmlns:p="http://schemas.openxmlformats.org/presentationml/2006/main">
+  <p:cSld>
+    <p:spTree>
+      <p:nvGrpSpPr>
+        <p:cNvPr id="1" name=""/>
+        <p:cNvGrpSpPr/>
+        <p:nvPr/>
+      </p:nvGrpSpPr>
+      <p:grpSpPr>
+        <a:xfrm>
+          <a:off x="0" y="0"/>
+          <a:ext cx="0" cy="0"/>
+          <a:chOff x="0" y="0"/>
+          <a:chExt cx="0" cy="0"/>
+        </a:xfrm>
+      </p:grpSpPr>
+      <p:sp>
+        <p:nvSpPr>
+          <p:cNvPr id="4" name="Title 3">
+            <a:extLst>
+              <a:ext uri="{FF2B5EF4-FFF2-40B4-BE49-F238E27FC236}">
+                <a16:creationId xmlns:a16="http://schemas.microsoft.com/office/drawing/2014/main" id="{A8348381-F94E-1E08-559A-B780DCA65C20}"/>
+              </a:ext>
+            </a:extLst>
+          </p:cNvPr>
+          <p:cNvSpPr>
+            <a:spLocks noGrp="1"/>
+          </p:cNvSpPr>
+          <p:nvPr>
+            <p:ph type="title"/>
+          </p:nvPr>
+        </p:nvSpPr>
+        <p:spPr/>
+        <p:txBody>
+          <a:bodyPr/>
+          <a:lstStyle/>
+          <a:p>
+            <a:r>
+              <a:rPr lang="en-US" dirty="0"/>
+              <a:t>Data Exploration </a:t>
+            </a:r>
+          </a:p>
+        </p:txBody>
+      </p:sp>
+      <p:sp>
+        <p:nvSpPr>
+          <p:cNvPr id="5" name="Text Placeholder 4">
+            <a:extLst>
+              <a:ext uri="{FF2B5EF4-FFF2-40B4-BE49-F238E27FC236}">
+                <a16:creationId xmlns:a16="http://schemas.microsoft.com/office/drawing/2014/main" id="{25519FC3-21BA-ECC8-2CCC-89A5CB1A363F}"/>
+              </a:ext>
+            </a:extLst>
+          </p:cNvPr>
+          <p:cNvSpPr>
+            <a:spLocks noGrp="1"/>
+          </p:cNvSpPr>
+          <p:nvPr>
+            <p:ph type="body" idx="1"/>
+          </p:nvPr>
+        </p:nvSpPr>
+        <p:spPr/>
+        <p:txBody>
+          <a:bodyPr/>
+          <a:lstStyle/>
+          <a:p>
+            <a:endParaRPr lang="en-US"/>
+          </a:p>
+        </p:txBody>
+      </p:sp>
+    </p:spTree>
+    <p:extLst>
+      <p:ext uri="{BB962C8B-B14F-4D97-AF65-F5344CB8AC3E}">
+        <p14:creationId xmlns:p14="http://schemas.microsoft.com/office/powerpoint/2010/main" val="2646417190"/>
+      </p:ext>
+    </p:extLst>
+  </p:cSld>
+  <p:clrMapOvr>
+    <a:masterClrMapping/>
+  </p:clrMapOvr>
+</p:sld>
+</file>
+
+<file path=ppt/slides/slide7.xml><?xml version="1.0" encoding="utf-8"?>
+<p:sld xmlns:a="http://schemas.openxmlformats.org/drawingml/2006/main" xmlns:r="http://schemas.openxmlformats.org/officeDocument/2006/relationships" xmlns:p="http://schemas.openxmlformats.org/presentationml/2006/main">
+  <p:cSld>
+    <p:spTree>
+      <p:nvGrpSpPr>
+        <p:cNvPr id="1" name=""/>
+        <p:cNvGrpSpPr/>
+        <p:nvPr/>
+      </p:nvGrpSpPr>
+      <p:grpSpPr>
+        <a:xfrm>
+          <a:off x="0" y="0"/>
+          <a:ext cx="0" cy="0"/>
+          <a:chOff x="0" y="0"/>
+          <a:chExt cx="0" cy="0"/>
+        </a:xfrm>
+      </p:grpSpPr>
+      <p:sp>
+        <p:nvSpPr>
+          <p:cNvPr id="2" name="Title 1">
+            <a:extLst>
+              <a:ext uri="{FF2B5EF4-FFF2-40B4-BE49-F238E27FC236}">
+                <a16:creationId xmlns:a16="http://schemas.microsoft.com/office/drawing/2014/main" id="{43EE6C72-03D5-F7F0-1189-4C7BA75BAA61}"/>
+              </a:ext>
+            </a:extLst>
+          </p:cNvPr>
+          <p:cNvSpPr>
+            <a:spLocks noGrp="1"/>
+          </p:cNvSpPr>
+          <p:nvPr>
+            <p:ph type="title"/>
+          </p:nvPr>
+        </p:nvSpPr>
+        <p:spPr/>
+        <p:txBody>
+          <a:bodyPr/>
+          <a:lstStyle/>
+          <a:p>
+            <a:r>
+              <a:rPr lang="en-US" dirty="0"/>
+              <a:t>Data exploration </a:t>
+            </a:r>
+          </a:p>
+        </p:txBody>
+      </p:sp>
+      <p:sp>
+        <p:nvSpPr>
+          <p:cNvPr id="3" name="Content Placeholder 2">
+            <a:extLst>
+              <a:ext uri="{FF2B5EF4-FFF2-40B4-BE49-F238E27FC236}">
+                <a16:creationId xmlns:a16="http://schemas.microsoft.com/office/drawing/2014/main" id="{2CAC2674-75A1-6757-F8C2-5CD61FD6D8AE}"/>
+              </a:ext>
+            </a:extLst>
+          </p:cNvPr>
+          <p:cNvSpPr>
+            <a:spLocks noGrp="1"/>
+          </p:cNvSpPr>
+          <p:nvPr>
+            <p:ph idx="1"/>
+          </p:nvPr>
+        </p:nvSpPr>
+        <p:spPr/>
+        <p:txBody>
+          <a:bodyPr/>
+          <a:lstStyle/>
+          <a:p>
+            <a:r>
+              <a:rPr lang="en-US" dirty="0">
+                <a:highlight>
+                  <a:srgbClr val="FFFF00"/>
+                </a:highlight>
+              </a:rPr>
+              <a:t>Use descriptive statistics </a:t>
+            </a:r>
+          </a:p>
+          <a:p>
+            <a:r>
+              <a:rPr lang="en-US" dirty="0">
+                <a:highlight>
+                  <a:srgbClr val="FFFF00"/>
+                </a:highlight>
+              </a:rPr>
+              <a:t>Use data visualization </a:t>
+            </a:r>
+          </a:p>
+          <a:p>
+            <a:r>
+              <a:rPr lang="en-US" dirty="0">
+                <a:highlight>
+                  <a:srgbClr val="FFFF00"/>
+                </a:highlight>
+              </a:rPr>
+              <a:t>Tell a story about what happened? </a:t>
+            </a:r>
+          </a:p>
+          <a:p>
+            <a:r>
+              <a:rPr lang="en-US" dirty="0">
+                <a:highlight>
+                  <a:srgbClr val="FFFF00"/>
+                </a:highlight>
+              </a:rPr>
+              <a:t>How many columns? How many rows?</a:t>
+            </a:r>
+          </a:p>
+          <a:p>
+            <a:r>
+              <a:rPr lang="en-US" dirty="0">
+                <a:highlight>
+                  <a:srgbClr val="FFFF00"/>
+                </a:highlight>
+              </a:rPr>
+              <a:t>Are there missing values? How many? </a:t>
+            </a:r>
+          </a:p>
+          <a:p>
+            <a:r>
+              <a:rPr lang="en-US" dirty="0">
+                <a:highlight>
+                  <a:srgbClr val="FFFF00"/>
+                </a:highlight>
+              </a:rPr>
+              <a:t>Add slides as you want </a:t>
+            </a:r>
+          </a:p>
+        </p:txBody>
+      </p:sp>
+    </p:spTree>
+    <p:extLst>
+      <p:ext uri="{BB962C8B-B14F-4D97-AF65-F5344CB8AC3E}">
+        <p14:creationId xmlns:p14="http://schemas.microsoft.com/office/powerpoint/2010/main" val="2781225567"/>
+      </p:ext>
+    </p:extLst>
+  </p:cSld>
+  <p:clrMapOvr>
+    <a:masterClrMapping/>
+  </p:clrMapOvr>
+</p:sld>
+</file>
+
+<file path=ppt/slides/slide8.xml><?xml version="1.0" encoding="utf-8"?>
+<p:sld xmlns:a="http://schemas.openxmlformats.org/drawingml/2006/main" xmlns:r="http://schemas.openxmlformats.org/officeDocument/2006/relationships" xmlns:p="http://schemas.openxmlformats.org/presentationml/2006/main">
+  <p:cSld>
+    <p:spTree>
+      <p:nvGrpSpPr>
+        <p:cNvPr id="1" name=""/>
+        <p:cNvGrpSpPr/>
+        <p:nvPr/>
+      </p:nvGrpSpPr>
+      <p:grpSpPr>
+        <a:xfrm>
+          <a:off x="0" y="0"/>
+          <a:ext cx="0" cy="0"/>
+          <a:chOff x="0" y="0"/>
+          <a:chExt cx="0" cy="0"/>
+        </a:xfrm>
+      </p:grpSpPr>
+      <p:sp>
+        <p:nvSpPr>
+          <p:cNvPr id="4" name="Title 3">
+            <a:extLst>
+              <a:ext uri="{FF2B5EF4-FFF2-40B4-BE49-F238E27FC236}">
+                <a16:creationId xmlns:a16="http://schemas.microsoft.com/office/drawing/2014/main" id="{A8348381-F94E-1E08-559A-B780DCA65C20}"/>
+              </a:ext>
+            </a:extLst>
+          </p:cNvPr>
+          <p:cNvSpPr>
+            <a:spLocks noGrp="1"/>
+          </p:cNvSpPr>
+          <p:nvPr>
+            <p:ph type="title"/>
+          </p:nvPr>
+        </p:nvSpPr>
+        <p:spPr/>
+        <p:txBody>
+          <a:bodyPr/>
+          <a:lstStyle/>
+          <a:p>
+            <a:r>
+              <a:rPr lang="en-US" dirty="0"/>
+              <a:t>Data Preparation </a:t>
+            </a:r>
+          </a:p>
+        </p:txBody>
+      </p:sp>
+      <p:sp>
+        <p:nvSpPr>
+          <p:cNvPr id="5" name="Text Placeholder 4">
+            <a:extLst>
+              <a:ext uri="{FF2B5EF4-FFF2-40B4-BE49-F238E27FC236}">
+                <a16:creationId xmlns:a16="http://schemas.microsoft.com/office/drawing/2014/main" id="{25519FC3-21BA-ECC8-2CCC-89A5CB1A363F}"/>
+              </a:ext>
+            </a:extLst>
+          </p:cNvPr>
+          <p:cNvSpPr>
+            <a:spLocks noGrp="1"/>
+          </p:cNvSpPr>
+          <p:nvPr>
+            <p:ph type="body" idx="1"/>
+          </p:nvPr>
+        </p:nvSpPr>
+        <p:spPr/>
+        <p:txBody>
+          <a:bodyPr/>
+          <a:lstStyle/>
+          <a:p>
+            <a:endParaRPr lang="en-US"/>
+          </a:p>
+        </p:txBody>
+      </p:sp>
+    </p:spTree>
+    <p:extLst>
+      <p:ext uri="{BB962C8B-B14F-4D97-AF65-F5344CB8AC3E}">
+        <p14:creationId xmlns:p14="http://schemas.microsoft.com/office/powerpoint/2010/main" val="4055406362"/>
+      </p:ext>
+    </p:extLst>
+  </p:cSld>
+  <p:clrMapOvr>
+    <a:masterClrMapping/>
+  </p:clrMapOvr>
+</p:sld>
+</file>
+
+<file path=ppt/slides/slide9.xml><?xml version="1.0" encoding="utf-8"?>
+<p:sld xmlns:a="http://schemas.openxmlformats.org/drawingml/2006/main" xmlns:r="http://schemas.openxmlformats.org/officeDocument/2006/relationships" xmlns:p="http://schemas.openxmlformats.org/presentationml/2006/main">
+  <p:cSld>
+    <p:spTree>
+      <p:nvGrpSpPr>
+        <p:cNvPr id="1" name=""/>
+        <p:cNvGrpSpPr/>
+        <p:nvPr/>
+      </p:nvGrpSpPr>
+      <p:grpSpPr>
+        <a:xfrm>
+          <a:off x="0" y="0"/>
+          <a:ext cx="0" cy="0"/>
+          <a:chOff x="0" y="0"/>
+          <a:chExt cx="0" cy="0"/>
+        </a:xfrm>
+      </p:grpSpPr>
+      <p:sp>
+        <p:nvSpPr>
+          <p:cNvPr id="2" name="Title 1">
+            <a:extLst>
+              <a:ext uri="{FF2B5EF4-FFF2-40B4-BE49-F238E27FC236}">
+                <a16:creationId xmlns:a16="http://schemas.microsoft.com/office/drawing/2014/main" id="{43EE6C72-03D5-F7F0-1189-4C7BA75BAA61}"/>
+              </a:ext>
+            </a:extLst>
+          </p:cNvPr>
+          <p:cNvSpPr>
+            <a:spLocks noGrp="1"/>
+          </p:cNvSpPr>
+          <p:nvPr>
+            <p:ph type="title"/>
+          </p:nvPr>
+        </p:nvSpPr>
+        <p:spPr/>
+        <p:txBody>
+          <a:bodyPr/>
+          <a:lstStyle/>
+          <a:p>
+            <a:r>
+              <a:rPr lang="en-US" dirty="0"/>
+              <a:t>Data preparation </a:t>
+            </a:r>
+          </a:p>
+        </p:txBody>
+      </p:sp>
+      <p:sp>
+        <p:nvSpPr>
+          <p:cNvPr id="3" name="Content Placeholder 2">
+            <a:extLst>
+              <a:ext uri="{FF2B5EF4-FFF2-40B4-BE49-F238E27FC236}">
+                <a16:creationId xmlns:a16="http://schemas.microsoft.com/office/drawing/2014/main" id="{2CAC2674-75A1-6757-F8C2-5CD61FD6D8AE}"/>
+              </a:ext>
+            </a:extLst>
+          </p:cNvPr>
+          <p:cNvSpPr>
+            <a:spLocks noGrp="1"/>
+          </p:cNvSpPr>
+          <p:nvPr>
+            <p:ph idx="1"/>
+          </p:nvPr>
+        </p:nvSpPr>
+        <p:spPr/>
+        <p:txBody>
+          <a:bodyPr/>
+          <a:lstStyle/>
+          <a:p>
+            <a:r>
+              <a:rPr lang="en-US" dirty="0">
+                <a:highlight>
+                  <a:srgbClr val="FFFF00"/>
+                </a:highlight>
+              </a:rPr>
+              <a:t>Describe how you Clean the data </a:t>
+            </a:r>
+          </a:p>
+          <a:p>
+            <a:r>
+              <a:rPr lang="en-US" dirty="0">
+                <a:highlight>
+                  <a:srgbClr val="FFFF00"/>
+                </a:highlight>
+              </a:rPr>
+              <a:t>Describe how you </a:t>
+            </a:r>
+            <a:r>
+              <a:rPr lang="en-US" dirty="0" err="1">
+                <a:highlight>
+                  <a:srgbClr val="FFFF00"/>
+                </a:highlight>
+              </a:rPr>
+              <a:t>Appied</a:t>
+            </a:r>
+            <a:r>
+              <a:rPr lang="en-US" dirty="0">
+                <a:highlight>
+                  <a:srgbClr val="FFFF00"/>
+                </a:highlight>
+              </a:rPr>
+              <a:t> data transformation </a:t>
+            </a:r>
+          </a:p>
+          <a:p>
+            <a:endParaRPr lang="en-US" dirty="0">
+              <a:highlight>
+                <a:srgbClr val="FFFF00"/>
+              </a:highlight>
+            </a:endParaRPr>
+          </a:p>
+          <a:p>
+            <a:endParaRPr lang="en-US" dirty="0">
+              <a:highlight>
+                <a:srgbClr val="FFFF00"/>
+              </a:highlight>
+            </a:endParaRPr>
+          </a:p>
+        </p:txBody>
+      </p:sp>
+    </p:spTree>
+    <p:extLst>
+      <p:ext uri="{BB962C8B-B14F-4D97-AF65-F5344CB8AC3E}">
+        <p14:creationId xmlns:p14="http://schemas.microsoft.com/office/powerpoint/2010/main" val="2543842627"/>
+      </p:ext>
+    </p:extLst>
+  </p:cSld>
+  <p:clrMapOvr>
+    <a:masterClrMapping/>
+  </p:clrMapOvr>
+</p:sld>
+</file>
+
 <file path=ppt/theme/theme1.xml><?xml version="1.0" encoding="utf-8"?>
 <a:theme xmlns:a="http://schemas.openxmlformats.org/drawingml/2006/main" name="Office Theme">
   <a:themeElements>

--- a/Project Presentation Template.pptx
+++ b/Project Presentation Template.pptx
@@ -18,6 +18,8 @@
     <p:sldId id="268" r:id="rId12"/>
     <p:sldId id="263" r:id="rId13"/>
     <p:sldId id="264" r:id="rId14"/>
+    <p:sldId id="269" r:id="rId15"/>
+    <p:sldId id="270" r:id="rId16"/>
   </p:sldIdLst>
   <p:sldSz cx="12192000" cy="6858000"/>
   <p:notesSz cx="6858000" cy="9144000"/>
@@ -271,7 +273,7 @@
           <a:p>
             <a:fld id="{F0115755-0214-4CC6-99A7-95D98871674A}" type="datetimeFigureOut">
               <a:rPr lang="en-US" smtClean="0"/>
-              <a:t>12/5/2022</a:t>
+              <a:t>12/6/2022</a:t>
             </a:fld>
             <a:endParaRPr lang="en-US"/>
           </a:p>
@@ -469,7 +471,7 @@
           <a:p>
             <a:fld id="{F0115755-0214-4CC6-99A7-95D98871674A}" type="datetimeFigureOut">
               <a:rPr lang="en-US" smtClean="0"/>
-              <a:t>12/5/2022</a:t>
+              <a:t>12/6/2022</a:t>
             </a:fld>
             <a:endParaRPr lang="en-US"/>
           </a:p>
@@ -677,7 +679,7 @@
           <a:p>
             <a:fld id="{F0115755-0214-4CC6-99A7-95D98871674A}" type="datetimeFigureOut">
               <a:rPr lang="en-US" smtClean="0"/>
-              <a:t>12/5/2022</a:t>
+              <a:t>12/6/2022</a:t>
             </a:fld>
             <a:endParaRPr lang="en-US"/>
           </a:p>
@@ -875,7 +877,7 @@
           <a:p>
             <a:fld id="{F0115755-0214-4CC6-99A7-95D98871674A}" type="datetimeFigureOut">
               <a:rPr lang="en-US" smtClean="0"/>
-              <a:t>12/5/2022</a:t>
+              <a:t>12/6/2022</a:t>
             </a:fld>
             <a:endParaRPr lang="en-US"/>
           </a:p>
@@ -1150,7 +1152,7 @@
           <a:p>
             <a:fld id="{F0115755-0214-4CC6-99A7-95D98871674A}" type="datetimeFigureOut">
               <a:rPr lang="en-US" smtClean="0"/>
-              <a:t>12/5/2022</a:t>
+              <a:t>12/6/2022</a:t>
             </a:fld>
             <a:endParaRPr lang="en-US"/>
           </a:p>
@@ -1415,7 +1417,7 @@
           <a:p>
             <a:fld id="{F0115755-0214-4CC6-99A7-95D98871674A}" type="datetimeFigureOut">
               <a:rPr lang="en-US" smtClean="0"/>
-              <a:t>12/5/2022</a:t>
+              <a:t>12/6/2022</a:t>
             </a:fld>
             <a:endParaRPr lang="en-US"/>
           </a:p>
@@ -1827,7 +1829,7 @@
           <a:p>
             <a:fld id="{F0115755-0214-4CC6-99A7-95D98871674A}" type="datetimeFigureOut">
               <a:rPr lang="en-US" smtClean="0"/>
-              <a:t>12/5/2022</a:t>
+              <a:t>12/6/2022</a:t>
             </a:fld>
             <a:endParaRPr lang="en-US"/>
           </a:p>
@@ -1968,7 +1970,7 @@
           <a:p>
             <a:fld id="{F0115755-0214-4CC6-99A7-95D98871674A}" type="datetimeFigureOut">
               <a:rPr lang="en-US" smtClean="0"/>
-              <a:t>12/5/2022</a:t>
+              <a:t>12/6/2022</a:t>
             </a:fld>
             <a:endParaRPr lang="en-US"/>
           </a:p>
@@ -2081,7 +2083,7 @@
           <a:p>
             <a:fld id="{F0115755-0214-4CC6-99A7-95D98871674A}" type="datetimeFigureOut">
               <a:rPr lang="en-US" smtClean="0"/>
-              <a:t>12/5/2022</a:t>
+              <a:t>12/6/2022</a:t>
             </a:fld>
             <a:endParaRPr lang="en-US"/>
           </a:p>
@@ -2392,7 +2394,7 @@
           <a:p>
             <a:fld id="{F0115755-0214-4CC6-99A7-95D98871674A}" type="datetimeFigureOut">
               <a:rPr lang="en-US" smtClean="0"/>
-              <a:t>12/5/2022</a:t>
+              <a:t>12/6/2022</a:t>
             </a:fld>
             <a:endParaRPr lang="en-US"/>
           </a:p>
@@ -2680,7 +2682,7 @@
           <a:p>
             <a:fld id="{F0115755-0214-4CC6-99A7-95D98871674A}" type="datetimeFigureOut">
               <a:rPr lang="en-US" smtClean="0"/>
-              <a:t>12/5/2022</a:t>
+              <a:t>12/6/2022</a:t>
             </a:fld>
             <a:endParaRPr lang="en-US"/>
           </a:p>
@@ -2921,7 +2923,7 @@
           <a:p>
             <a:fld id="{F0115755-0214-4CC6-99A7-95D98871674A}" type="datetimeFigureOut">
               <a:rPr lang="en-US" smtClean="0"/>
-              <a:t>12/5/2022</a:t>
+              <a:t>12/6/2022</a:t>
             </a:fld>
             <a:endParaRPr lang="en-US"/>
           </a:p>
@@ -3418,7 +3420,7 @@
                   <a:srgbClr val="FFFF00"/>
                 </a:highlight>
               </a:rPr>
-              <a:t>Student 1 Name, Student1 Number</a:t>
+              <a:t>Student 2 Name, Student2 Number</a:t>
             </a:r>
           </a:p>
           <a:p>
@@ -3484,31 +3486,6 @@
           </a:p>
         </p:txBody>
       </p:sp>
-      <p:sp>
-        <p:nvSpPr>
-          <p:cNvPr id="5" name="Text Placeholder 4">
-            <a:extLst>
-              <a:ext uri="{FF2B5EF4-FFF2-40B4-BE49-F238E27FC236}">
-                <a16:creationId xmlns:a16="http://schemas.microsoft.com/office/drawing/2014/main" id="{25519FC3-21BA-ECC8-2CCC-89A5CB1A363F}"/>
-              </a:ext>
-            </a:extLst>
-          </p:cNvPr>
-          <p:cNvSpPr>
-            <a:spLocks noGrp="1"/>
-          </p:cNvSpPr>
-          <p:nvPr>
-            <p:ph type="body" idx="1"/>
-          </p:nvPr>
-        </p:nvSpPr>
-        <p:spPr/>
-        <p:txBody>
-          <a:bodyPr/>
-          <a:lstStyle/>
-          <a:p>
-            <a:endParaRPr lang="en-US"/>
-          </a:p>
-        </p:txBody>
-      </p:sp>
     </p:spTree>
     <p:extLst>
       <p:ext uri="{BB962C8B-B14F-4D97-AF65-F5344CB8AC3E}">
@@ -3618,6 +3595,26 @@
             </a:r>
           </a:p>
           <a:p>
+            <a:r>
+              <a:rPr lang="en-US" dirty="0">
+                <a:highlight>
+                  <a:srgbClr val="FFFF00"/>
+                </a:highlight>
+              </a:rPr>
+              <a:t>Add slides as you want </a:t>
+            </a:r>
+          </a:p>
+          <a:p>
+            <a:pPr marL="0" indent="0">
+              <a:buNone/>
+            </a:pPr>
+            <a:endParaRPr lang="en-US" dirty="0">
+              <a:highlight>
+                <a:srgbClr val="FFFF00"/>
+              </a:highlight>
+            </a:endParaRPr>
+          </a:p>
+          <a:p>
             <a:endParaRPr lang="en-US" dirty="0">
               <a:highlight>
                 <a:srgbClr val="FFFF00"/>
@@ -3684,31 +3681,6 @@
           </a:p>
         </p:txBody>
       </p:sp>
-      <p:sp>
-        <p:nvSpPr>
-          <p:cNvPr id="5" name="Text Placeholder 4">
-            <a:extLst>
-              <a:ext uri="{FF2B5EF4-FFF2-40B4-BE49-F238E27FC236}">
-                <a16:creationId xmlns:a16="http://schemas.microsoft.com/office/drawing/2014/main" id="{25519FC3-21BA-ECC8-2CCC-89A5CB1A363F}"/>
-              </a:ext>
-            </a:extLst>
-          </p:cNvPr>
-          <p:cNvSpPr>
-            <a:spLocks noGrp="1"/>
-          </p:cNvSpPr>
-          <p:nvPr>
-            <p:ph type="body" idx="1"/>
-          </p:nvPr>
-        </p:nvSpPr>
-        <p:spPr/>
-        <p:txBody>
-          <a:bodyPr/>
-          <a:lstStyle/>
-          <a:p>
-            <a:endParaRPr lang="en-US"/>
-          </a:p>
-        </p:txBody>
-      </p:sp>
     </p:spTree>
     <p:extLst>
       <p:ext uri="{BB962C8B-B14F-4D97-AF65-F5344CB8AC3E}">
@@ -3794,7 +3766,7 @@
                   <a:srgbClr val="FFFF00"/>
                 </a:highlight>
               </a:rPr>
-              <a:t>Use machine learning models to predict the future (what will happen?)?</a:t>
+              <a:t>Use machine learning models to predict the future (what will happen?)</a:t>
             </a:r>
           </a:p>
           <a:p>
@@ -3818,6 +3790,16 @@
             </a:r>
           </a:p>
           <a:p>
+            <a:r>
+              <a:rPr lang="en-US" dirty="0">
+                <a:highlight>
+                  <a:srgbClr val="FFFF00"/>
+                </a:highlight>
+              </a:rPr>
+              <a:t>Add slides as you want </a:t>
+            </a:r>
+          </a:p>
+          <a:p>
             <a:endParaRPr lang="en-US" dirty="0">
               <a:highlight>
                 <a:srgbClr val="FFFF00"/>
@@ -3831,12 +3813,194 @@
               </a:highlight>
             </a:endParaRPr>
           </a:p>
+          <a:p>
+            <a:endParaRPr lang="en-US" dirty="0">
+              <a:highlight>
+                <a:srgbClr val="FFFF00"/>
+              </a:highlight>
+            </a:endParaRPr>
+          </a:p>
         </p:txBody>
       </p:sp>
     </p:spTree>
     <p:extLst>
       <p:ext uri="{BB962C8B-B14F-4D97-AF65-F5344CB8AC3E}">
         <p14:creationId xmlns:p14="http://schemas.microsoft.com/office/powerpoint/2010/main" val="3821526636"/>
+      </p:ext>
+    </p:extLst>
+  </p:cSld>
+  <p:clrMapOvr>
+    <a:masterClrMapping/>
+  </p:clrMapOvr>
+</p:sld>
+</file>
+
+<file path=ppt/slides/slide14.xml><?xml version="1.0" encoding="utf-8"?>
+<p:sld xmlns:a="http://schemas.openxmlformats.org/drawingml/2006/main" xmlns:r="http://schemas.openxmlformats.org/officeDocument/2006/relationships" xmlns:p="http://schemas.openxmlformats.org/presentationml/2006/main">
+  <p:cSld>
+    <p:spTree>
+      <p:nvGrpSpPr>
+        <p:cNvPr id="1" name=""/>
+        <p:cNvGrpSpPr/>
+        <p:nvPr/>
+      </p:nvGrpSpPr>
+      <p:grpSpPr>
+        <a:xfrm>
+          <a:off x="0" y="0"/>
+          <a:ext cx="0" cy="0"/>
+          <a:chOff x="0" y="0"/>
+          <a:chExt cx="0" cy="0"/>
+        </a:xfrm>
+      </p:grpSpPr>
+      <p:sp>
+        <p:nvSpPr>
+          <p:cNvPr id="2" name="Title 1">
+            <a:extLst>
+              <a:ext uri="{FF2B5EF4-FFF2-40B4-BE49-F238E27FC236}">
+                <a16:creationId xmlns:a16="http://schemas.microsoft.com/office/drawing/2014/main" id="{BD813C4F-E389-0FC5-5E77-33D1D27B4D3B}"/>
+              </a:ext>
+            </a:extLst>
+          </p:cNvPr>
+          <p:cNvSpPr>
+            <a:spLocks noGrp="1"/>
+          </p:cNvSpPr>
+          <p:nvPr>
+            <p:ph type="title"/>
+          </p:nvPr>
+        </p:nvSpPr>
+        <p:spPr/>
+        <p:txBody>
+          <a:bodyPr/>
+          <a:lstStyle/>
+          <a:p>
+            <a:r>
+              <a:rPr lang="en-US" dirty="0"/>
+              <a:t>Conclusions </a:t>
+            </a:r>
+          </a:p>
+        </p:txBody>
+      </p:sp>
+      <p:sp>
+        <p:nvSpPr>
+          <p:cNvPr id="3" name="Content Placeholder 2">
+            <a:extLst>
+              <a:ext uri="{FF2B5EF4-FFF2-40B4-BE49-F238E27FC236}">
+                <a16:creationId xmlns:a16="http://schemas.microsoft.com/office/drawing/2014/main" id="{CAFBCEF9-C35F-5DCA-D60C-DF469FFEC4A4}"/>
+              </a:ext>
+            </a:extLst>
+          </p:cNvPr>
+          <p:cNvSpPr>
+            <a:spLocks noGrp="1"/>
+          </p:cNvSpPr>
+          <p:nvPr>
+            <p:ph idx="1"/>
+          </p:nvPr>
+        </p:nvSpPr>
+        <p:spPr/>
+        <p:txBody>
+          <a:bodyPr/>
+          <a:lstStyle/>
+          <a:p>
+            <a:r>
+              <a:rPr lang="en-US" dirty="0">
+                <a:highlight>
+                  <a:srgbClr val="FFFF00"/>
+                </a:highlight>
+              </a:rPr>
+              <a:t>Summarize your conclusions </a:t>
+            </a:r>
+          </a:p>
+          <a:p>
+            <a:r>
+              <a:rPr lang="en-US" dirty="0">
+                <a:highlight>
+                  <a:srgbClr val="FFFF00"/>
+                </a:highlight>
+              </a:rPr>
+              <a:t>Only one slide </a:t>
+            </a:r>
+          </a:p>
+        </p:txBody>
+      </p:sp>
+    </p:spTree>
+    <p:extLst>
+      <p:ext uri="{BB962C8B-B14F-4D97-AF65-F5344CB8AC3E}">
+        <p14:creationId xmlns:p14="http://schemas.microsoft.com/office/powerpoint/2010/main" val="4147814722"/>
+      </p:ext>
+    </p:extLst>
+  </p:cSld>
+  <p:clrMapOvr>
+    <a:masterClrMapping/>
+  </p:clrMapOvr>
+</p:sld>
+</file>
+
+<file path=ppt/slides/slide15.xml><?xml version="1.0" encoding="utf-8"?>
+<p:sld xmlns:a="http://schemas.openxmlformats.org/drawingml/2006/main" xmlns:r="http://schemas.openxmlformats.org/officeDocument/2006/relationships" xmlns:p="http://schemas.openxmlformats.org/presentationml/2006/main">
+  <p:cSld>
+    <p:spTree>
+      <p:nvGrpSpPr>
+        <p:cNvPr id="1" name=""/>
+        <p:cNvGrpSpPr/>
+        <p:nvPr/>
+      </p:nvGrpSpPr>
+      <p:grpSpPr>
+        <a:xfrm>
+          <a:off x="0" y="0"/>
+          <a:ext cx="0" cy="0"/>
+          <a:chOff x="0" y="0"/>
+          <a:chExt cx="0" cy="0"/>
+        </a:xfrm>
+      </p:grpSpPr>
+      <p:sp>
+        <p:nvSpPr>
+          <p:cNvPr id="2" name="Title 1">
+            <a:extLst>
+              <a:ext uri="{FF2B5EF4-FFF2-40B4-BE49-F238E27FC236}">
+                <a16:creationId xmlns:a16="http://schemas.microsoft.com/office/drawing/2014/main" id="{CE4FC326-77E1-7C58-067E-4C0493CD0A8D}"/>
+              </a:ext>
+            </a:extLst>
+          </p:cNvPr>
+          <p:cNvSpPr>
+            <a:spLocks noGrp="1"/>
+          </p:cNvSpPr>
+          <p:nvPr>
+            <p:ph type="title"/>
+          </p:nvPr>
+        </p:nvSpPr>
+        <p:spPr>
+          <a:xfrm>
+            <a:off x="3541552" y="1157681"/>
+            <a:ext cx="3614257" cy="4538444"/>
+          </a:xfrm>
+        </p:spPr>
+        <p:txBody>
+          <a:bodyPr>
+            <a:noAutofit/>
+          </a:bodyPr>
+          <a:lstStyle/>
+          <a:p>
+            <a:r>
+              <a:rPr lang="en-US" sz="33600" dirty="0">
+                <a:solidFill>
+                  <a:srgbClr val="7030A0"/>
+                </a:solidFill>
+                <a:sym typeface="Wingdings" panose="05000000000000000000" pitchFamily="2" charset="2"/>
+              </a:rPr>
+              <a:t> </a:t>
+            </a:r>
+            <a:endParaRPr lang="en-US" sz="33600" dirty="0">
+              <a:solidFill>
+                <a:srgbClr val="7030A0"/>
+              </a:solidFill>
+            </a:endParaRPr>
+          </a:p>
+        </p:txBody>
+      </p:sp>
+    </p:spTree>
+    <p:extLst>
+      <p:ext uri="{BB962C8B-B14F-4D97-AF65-F5344CB8AC3E}">
+        <p14:creationId xmlns:p14="http://schemas.microsoft.com/office/powerpoint/2010/main" val="1496494060"/>
       </p:ext>
     </p:extLst>
   </p:cSld>
@@ -3888,31 +4052,6 @@
               <a:rPr lang="en-US" dirty="0"/>
               <a:t>About the domain</a:t>
             </a:r>
-          </a:p>
-        </p:txBody>
-      </p:sp>
-      <p:sp>
-        <p:nvSpPr>
-          <p:cNvPr id="5" name="Text Placeholder 4">
-            <a:extLst>
-              <a:ext uri="{FF2B5EF4-FFF2-40B4-BE49-F238E27FC236}">
-                <a16:creationId xmlns:a16="http://schemas.microsoft.com/office/drawing/2014/main" id="{25519FC3-21BA-ECC8-2CCC-89A5CB1A363F}"/>
-              </a:ext>
-            </a:extLst>
-          </p:cNvPr>
-          <p:cNvSpPr>
-            <a:spLocks noGrp="1"/>
-          </p:cNvSpPr>
-          <p:nvPr>
-            <p:ph type="body" idx="1"/>
-          </p:nvPr>
-        </p:nvSpPr>
-        <p:spPr/>
-        <p:txBody>
-          <a:bodyPr/>
-          <a:lstStyle/>
-          <a:p>
-            <a:endParaRPr lang="en-US"/>
           </a:p>
         </p:txBody>
       </p:sp>
@@ -4074,31 +4213,6 @@
           </a:p>
         </p:txBody>
       </p:sp>
-      <p:sp>
-        <p:nvSpPr>
-          <p:cNvPr id="5" name="Text Placeholder 4">
-            <a:extLst>
-              <a:ext uri="{FF2B5EF4-FFF2-40B4-BE49-F238E27FC236}">
-                <a16:creationId xmlns:a16="http://schemas.microsoft.com/office/drawing/2014/main" id="{25519FC3-21BA-ECC8-2CCC-89A5CB1A363F}"/>
-              </a:ext>
-            </a:extLst>
-          </p:cNvPr>
-          <p:cNvSpPr>
-            <a:spLocks noGrp="1"/>
-          </p:cNvSpPr>
-          <p:nvPr>
-            <p:ph type="body" idx="1"/>
-          </p:nvPr>
-        </p:nvSpPr>
-        <p:spPr/>
-        <p:txBody>
-          <a:bodyPr/>
-          <a:lstStyle/>
-          <a:p>
-            <a:endParaRPr lang="en-US"/>
-          </a:p>
-        </p:txBody>
-      </p:sp>
     </p:spTree>
     <p:extLst>
       <p:ext uri="{BB962C8B-B14F-4D97-AF65-F5344CB8AC3E}">
@@ -4257,31 +4371,6 @@
           </a:p>
         </p:txBody>
       </p:sp>
-      <p:sp>
-        <p:nvSpPr>
-          <p:cNvPr id="5" name="Text Placeholder 4">
-            <a:extLst>
-              <a:ext uri="{FF2B5EF4-FFF2-40B4-BE49-F238E27FC236}">
-                <a16:creationId xmlns:a16="http://schemas.microsoft.com/office/drawing/2014/main" id="{25519FC3-21BA-ECC8-2CCC-89A5CB1A363F}"/>
-              </a:ext>
-            </a:extLst>
-          </p:cNvPr>
-          <p:cNvSpPr>
-            <a:spLocks noGrp="1"/>
-          </p:cNvSpPr>
-          <p:nvPr>
-            <p:ph type="body" idx="1"/>
-          </p:nvPr>
-        </p:nvSpPr>
-        <p:spPr/>
-        <p:txBody>
-          <a:bodyPr/>
-          <a:lstStyle/>
-          <a:p>
-            <a:endParaRPr lang="en-US"/>
-          </a:p>
-        </p:txBody>
-      </p:sp>
     </p:spTree>
     <p:extLst>
       <p:ext uri="{BB962C8B-B14F-4D97-AF65-F5344CB8AC3E}">
@@ -4480,31 +4569,6 @@
           </a:p>
         </p:txBody>
       </p:sp>
-      <p:sp>
-        <p:nvSpPr>
-          <p:cNvPr id="5" name="Text Placeholder 4">
-            <a:extLst>
-              <a:ext uri="{FF2B5EF4-FFF2-40B4-BE49-F238E27FC236}">
-                <a16:creationId xmlns:a16="http://schemas.microsoft.com/office/drawing/2014/main" id="{25519FC3-21BA-ECC8-2CCC-89A5CB1A363F}"/>
-              </a:ext>
-            </a:extLst>
-          </p:cNvPr>
-          <p:cNvSpPr>
-            <a:spLocks noGrp="1"/>
-          </p:cNvSpPr>
-          <p:nvPr>
-            <p:ph type="body" idx="1"/>
-          </p:nvPr>
-        </p:nvSpPr>
-        <p:spPr/>
-        <p:txBody>
-          <a:bodyPr/>
-          <a:lstStyle/>
-          <a:p>
-            <a:endParaRPr lang="en-US"/>
-          </a:p>
-        </p:txBody>
-      </p:sp>
     </p:spTree>
     <p:extLst>
       <p:ext uri="{BB962C8B-B14F-4D97-AF65-F5344CB8AC3E}">
@@ -4600,23 +4664,30 @@
                   <a:srgbClr val="FFFF00"/>
                 </a:highlight>
               </a:rPr>
-              <a:t>Describe how you </a:t>
-            </a:r>
-            <a:r>
-              <a:rPr lang="en-US" dirty="0" err="1">
-                <a:highlight>
-                  <a:srgbClr val="FFFF00"/>
-                </a:highlight>
-              </a:rPr>
-              <a:t>Appied</a:t>
-            </a:r>
+              <a:t>Describe how you Applied data transformation</a:t>
+            </a:r>
+          </a:p>
+          <a:p>
             <a:r>
               <a:rPr lang="en-US" dirty="0">
                 <a:highlight>
                   <a:srgbClr val="FFFF00"/>
                 </a:highlight>
               </a:rPr>
-              <a:t> data transformation </a:t>
+              <a:t>Add slides as you want </a:t>
+            </a:r>
+          </a:p>
+          <a:p>
+            <a:pPr marL="0" indent="0">
+              <a:buNone/>
+            </a:pPr>
+            <a:r>
+              <a:rPr lang="en-US" dirty="0">
+                <a:highlight>
+                  <a:srgbClr val="FFFF00"/>
+                </a:highlight>
+              </a:rPr>
+              <a:t> </a:t>
             </a:r>
           </a:p>
           <a:p>

--- a/Project Presentation Template.pptx
+++ b/Project Presentation Template.pptx
@@ -3571,7 +3571,17 @@
                   <a:srgbClr val="FFFF00"/>
                 </a:highlight>
               </a:rPr>
-              <a:t>Use clustering and association rules to describe the data </a:t>
+              <a:t>Use clustering and association rules to describe the data</a:t>
+            </a:r>
+          </a:p>
+          <a:p>
+            <a:r>
+              <a:rPr lang="en-US" dirty="0">
+                <a:highlight>
+                  <a:srgbClr val="FFFF00"/>
+                </a:highlight>
+              </a:rPr>
+              <a:t>Include KNIME workflow (screenshots) </a:t>
             </a:r>
           </a:p>
           <a:p>
@@ -3776,6 +3786,16 @@
                   <a:srgbClr val="FFFF00"/>
                 </a:highlight>
               </a:rPr>
+              <a:t>Include KNIME workflow (screenshots) </a:t>
+            </a:r>
+          </a:p>
+          <a:p>
+            <a:r>
+              <a:rPr lang="en-US" dirty="0">
+                <a:highlight>
+                  <a:srgbClr val="FFFF00"/>
+                </a:highlight>
+              </a:rPr>
               <a:t>Compare ML results</a:t>
             </a:r>
           </a:p>
@@ -4266,7 +4286,7 @@
           <a:p>
             <a:r>
               <a:rPr lang="en-US" dirty="0"/>
-              <a:t>About the domain</a:t>
+              <a:t>About the data</a:t>
             </a:r>
           </a:p>
         </p:txBody>
@@ -4298,8 +4318,21 @@
                   <a:srgbClr val="FFFF00"/>
                 </a:highlight>
               </a:rPr>
-              <a:t>Describe the dataset here</a:t>
-            </a:r>
+              <a:t>Describe the dataset here (data source, </a:t>
+            </a:r>
+            <a:r>
+              <a:rPr lang="en-US">
+                <a:highlight>
+                  <a:srgbClr val="FFFF00"/>
+                </a:highlight>
+              </a:rPr>
+              <a:t>data context, ….) </a:t>
+            </a:r>
+            <a:endParaRPr lang="en-US" dirty="0">
+              <a:highlight>
+                <a:srgbClr val="FFFF00"/>
+              </a:highlight>
+            </a:endParaRPr>
           </a:p>
           <a:p>
             <a:r>
@@ -4466,7 +4499,7 @@
                   <a:srgbClr val="FFFF00"/>
                 </a:highlight>
               </a:rPr>
-              <a:t>Use data visualization </a:t>
+              <a:t>Use data visualization (include screenshots)  </a:t>
             </a:r>
           </a:p>
           <a:p>

--- a/Project Presentation Template.pptx
+++ b/Project Presentation Template.pptx
@@ -4,6 +4,9 @@
   <p:sldMasterIdLst>
     <p:sldMasterId id="2147483648" r:id="rId1"/>
   </p:sldMasterIdLst>
+  <p:notesMasterIdLst>
+    <p:notesMasterId r:id="rId17"/>
+  </p:notesMasterIdLst>
   <p:sldIdLst>
     <p:sldId id="256" r:id="rId2"/>
     <p:sldId id="258" r:id="rId3"/>
@@ -126,6 +129,355 @@
 </p:presentation>
 </file>
 
+<file path=ppt/notesMasters/notesMaster1.xml><?xml version="1.0" encoding="utf-8"?>
+<p:notesMaster xmlns:a="http://schemas.openxmlformats.org/drawingml/2006/main" xmlns:r="http://schemas.openxmlformats.org/officeDocument/2006/relationships" xmlns:p="http://schemas.openxmlformats.org/presentationml/2006/main">
+  <p:cSld>
+    <p:bg>
+      <p:bgRef idx="1001">
+        <a:schemeClr val="bg1"/>
+      </p:bgRef>
+    </p:bg>
+    <p:spTree>
+      <p:nvGrpSpPr>
+        <p:cNvPr id="1" name=""/>
+        <p:cNvGrpSpPr/>
+        <p:nvPr/>
+      </p:nvGrpSpPr>
+      <p:grpSpPr>
+        <a:xfrm>
+          <a:off x="0" y="0"/>
+          <a:ext cx="0" cy="0"/>
+          <a:chOff x="0" y="0"/>
+          <a:chExt cx="0" cy="0"/>
+        </a:xfrm>
+      </p:grpSpPr>
+      <p:sp>
+        <p:nvSpPr>
+          <p:cNvPr id="2" name="Header Placeholder 1"/>
+          <p:cNvSpPr>
+            <a:spLocks noGrp="1"/>
+          </p:cNvSpPr>
+          <p:nvPr>
+            <p:ph type="hdr" sz="quarter"/>
+          </p:nvPr>
+        </p:nvSpPr>
+        <p:spPr>
+          <a:xfrm>
+            <a:off x="0" y="0"/>
+            <a:ext cx="2971800" cy="458788"/>
+          </a:xfrm>
+          <a:prstGeom prst="rect">
+            <a:avLst/>
+          </a:prstGeom>
+        </p:spPr>
+        <p:txBody>
+          <a:bodyPr vert="horz" lIns="91440" tIns="45720" rIns="91440" bIns="45720" rtlCol="0"/>
+          <a:lstStyle>
+            <a:lvl1pPr algn="l">
+              <a:defRPr sz="1200"/>
+            </a:lvl1pPr>
+          </a:lstStyle>
+          <a:p>
+            <a:endParaRPr lang="en-US"/>
+          </a:p>
+        </p:txBody>
+      </p:sp>
+      <p:sp>
+        <p:nvSpPr>
+          <p:cNvPr id="3" name="Date Placeholder 2"/>
+          <p:cNvSpPr>
+            <a:spLocks noGrp="1"/>
+          </p:cNvSpPr>
+          <p:nvPr>
+            <p:ph type="dt" idx="1"/>
+          </p:nvPr>
+        </p:nvSpPr>
+        <p:spPr>
+          <a:xfrm>
+            <a:off x="3884613" y="0"/>
+            <a:ext cx="2971800" cy="458788"/>
+          </a:xfrm>
+          <a:prstGeom prst="rect">
+            <a:avLst/>
+          </a:prstGeom>
+        </p:spPr>
+        <p:txBody>
+          <a:bodyPr vert="horz" lIns="91440" tIns="45720" rIns="91440" bIns="45720" rtlCol="0"/>
+          <a:lstStyle>
+            <a:lvl1pPr algn="r">
+              <a:defRPr sz="1200"/>
+            </a:lvl1pPr>
+          </a:lstStyle>
+          <a:p>
+            <a:fld id="{2B12A7B0-6ED2-4F21-ADA1-F694280CB390}" type="datetimeFigureOut">
+              <a:rPr lang="en-US" smtClean="0"/>
+              <a:t>12/6/2022</a:t>
+            </a:fld>
+            <a:endParaRPr lang="en-US"/>
+          </a:p>
+        </p:txBody>
+      </p:sp>
+      <p:sp>
+        <p:nvSpPr>
+          <p:cNvPr id="4" name="Slide Image Placeholder 3"/>
+          <p:cNvSpPr>
+            <a:spLocks noGrp="1" noRot="1" noChangeAspect="1"/>
+          </p:cNvSpPr>
+          <p:nvPr>
+            <p:ph type="sldImg" idx="2"/>
+          </p:nvPr>
+        </p:nvSpPr>
+        <p:spPr>
+          <a:xfrm>
+            <a:off x="685800" y="1143000"/>
+            <a:ext cx="5486400" cy="3086100"/>
+          </a:xfrm>
+          <a:prstGeom prst="rect">
+            <a:avLst/>
+          </a:prstGeom>
+          <a:noFill/>
+          <a:ln w="12700">
+            <a:solidFill>
+              <a:prstClr val="black"/>
+            </a:solidFill>
+          </a:ln>
+        </p:spPr>
+        <p:txBody>
+          <a:bodyPr vert="horz" lIns="91440" tIns="45720" rIns="91440" bIns="45720" rtlCol="0" anchor="ctr"/>
+          <a:lstStyle/>
+          <a:p>
+            <a:endParaRPr lang="en-US"/>
+          </a:p>
+        </p:txBody>
+      </p:sp>
+      <p:sp>
+        <p:nvSpPr>
+          <p:cNvPr id="5" name="Notes Placeholder 4"/>
+          <p:cNvSpPr>
+            <a:spLocks noGrp="1"/>
+          </p:cNvSpPr>
+          <p:nvPr>
+            <p:ph type="body" sz="quarter" idx="3"/>
+          </p:nvPr>
+        </p:nvSpPr>
+        <p:spPr>
+          <a:xfrm>
+            <a:off x="685800" y="4400550"/>
+            <a:ext cx="5486400" cy="3600450"/>
+          </a:xfrm>
+          <a:prstGeom prst="rect">
+            <a:avLst/>
+          </a:prstGeom>
+        </p:spPr>
+        <p:txBody>
+          <a:bodyPr vert="horz" lIns="91440" tIns="45720" rIns="91440" bIns="45720" rtlCol="0"/>
+          <a:lstStyle/>
+          <a:p>
+            <a:pPr lvl="0"/>
+            <a:r>
+              <a:rPr lang="en-US"/>
+              <a:t>Click to edit Master text styles</a:t>
+            </a:r>
+          </a:p>
+          <a:p>
+            <a:pPr lvl="1"/>
+            <a:r>
+              <a:rPr lang="en-US"/>
+              <a:t>Second level</a:t>
+            </a:r>
+          </a:p>
+          <a:p>
+            <a:pPr lvl="2"/>
+            <a:r>
+              <a:rPr lang="en-US"/>
+              <a:t>Third level</a:t>
+            </a:r>
+          </a:p>
+          <a:p>
+            <a:pPr lvl="3"/>
+            <a:r>
+              <a:rPr lang="en-US"/>
+              <a:t>Fourth level</a:t>
+            </a:r>
+          </a:p>
+          <a:p>
+            <a:pPr lvl="4"/>
+            <a:r>
+              <a:rPr lang="en-US"/>
+              <a:t>Fifth level</a:t>
+            </a:r>
+          </a:p>
+        </p:txBody>
+      </p:sp>
+      <p:sp>
+        <p:nvSpPr>
+          <p:cNvPr id="6" name="Footer Placeholder 5"/>
+          <p:cNvSpPr>
+            <a:spLocks noGrp="1"/>
+          </p:cNvSpPr>
+          <p:nvPr>
+            <p:ph type="ftr" sz="quarter" idx="4"/>
+          </p:nvPr>
+        </p:nvSpPr>
+        <p:spPr>
+          <a:xfrm>
+            <a:off x="0" y="8685213"/>
+            <a:ext cx="2971800" cy="458787"/>
+          </a:xfrm>
+          <a:prstGeom prst="rect">
+            <a:avLst/>
+          </a:prstGeom>
+        </p:spPr>
+        <p:txBody>
+          <a:bodyPr vert="horz" lIns="91440" tIns="45720" rIns="91440" bIns="45720" rtlCol="0" anchor="b"/>
+          <a:lstStyle>
+            <a:lvl1pPr algn="l">
+              <a:defRPr sz="1200"/>
+            </a:lvl1pPr>
+          </a:lstStyle>
+          <a:p>
+            <a:endParaRPr lang="en-US"/>
+          </a:p>
+        </p:txBody>
+      </p:sp>
+      <p:sp>
+        <p:nvSpPr>
+          <p:cNvPr id="7" name="Slide Number Placeholder 6"/>
+          <p:cNvSpPr>
+            <a:spLocks noGrp="1"/>
+          </p:cNvSpPr>
+          <p:nvPr>
+            <p:ph type="sldNum" sz="quarter" idx="5"/>
+          </p:nvPr>
+        </p:nvSpPr>
+        <p:spPr>
+          <a:xfrm>
+            <a:off x="3884613" y="8685213"/>
+            <a:ext cx="2971800" cy="458787"/>
+          </a:xfrm>
+          <a:prstGeom prst="rect">
+            <a:avLst/>
+          </a:prstGeom>
+        </p:spPr>
+        <p:txBody>
+          <a:bodyPr vert="horz" lIns="91440" tIns="45720" rIns="91440" bIns="45720" rtlCol="0" anchor="b"/>
+          <a:lstStyle>
+            <a:lvl1pPr algn="r">
+              <a:defRPr sz="1200"/>
+            </a:lvl1pPr>
+          </a:lstStyle>
+          <a:p>
+            <a:fld id="{A49FEC8D-8CDE-4CBB-8186-D834174C991F}" type="slidenum">
+              <a:rPr lang="en-US" smtClean="0"/>
+              <a:t>‹#›</a:t>
+            </a:fld>
+            <a:endParaRPr lang="en-US"/>
+          </a:p>
+        </p:txBody>
+      </p:sp>
+    </p:spTree>
+    <p:extLst>
+      <p:ext uri="{BB962C8B-B14F-4D97-AF65-F5344CB8AC3E}">
+        <p14:creationId xmlns:p14="http://schemas.microsoft.com/office/powerpoint/2010/main" val="1278350300"/>
+      </p:ext>
+    </p:extLst>
+  </p:cSld>
+  <p:clrMap bg1="lt1" tx1="dk1" bg2="lt2" tx2="dk2" accent1="accent1" accent2="accent2" accent3="accent3" accent4="accent4" accent5="accent5" accent6="accent6" hlink="hlink" folHlink="folHlink"/>
+  <p:notesStyle>
+    <a:lvl1pPr marL="0" algn="l" defTabSz="914400" rtl="0" eaLnBrk="1" latinLnBrk="0" hangingPunct="1">
+      <a:defRPr sz="1200" kern="1200">
+        <a:solidFill>
+          <a:schemeClr val="tx1"/>
+        </a:solidFill>
+        <a:latin typeface="+mn-lt"/>
+        <a:ea typeface="+mn-ea"/>
+        <a:cs typeface="+mn-cs"/>
+      </a:defRPr>
+    </a:lvl1pPr>
+    <a:lvl2pPr marL="457200" algn="l" defTabSz="914400" rtl="0" eaLnBrk="1" latinLnBrk="0" hangingPunct="1">
+      <a:defRPr sz="1200" kern="1200">
+        <a:solidFill>
+          <a:schemeClr val="tx1"/>
+        </a:solidFill>
+        <a:latin typeface="+mn-lt"/>
+        <a:ea typeface="+mn-ea"/>
+        <a:cs typeface="+mn-cs"/>
+      </a:defRPr>
+    </a:lvl2pPr>
+    <a:lvl3pPr marL="914400" algn="l" defTabSz="914400" rtl="0" eaLnBrk="1" latinLnBrk="0" hangingPunct="1">
+      <a:defRPr sz="1200" kern="1200">
+        <a:solidFill>
+          <a:schemeClr val="tx1"/>
+        </a:solidFill>
+        <a:latin typeface="+mn-lt"/>
+        <a:ea typeface="+mn-ea"/>
+        <a:cs typeface="+mn-cs"/>
+      </a:defRPr>
+    </a:lvl3pPr>
+    <a:lvl4pPr marL="1371600" algn="l" defTabSz="914400" rtl="0" eaLnBrk="1" latinLnBrk="0" hangingPunct="1">
+      <a:defRPr sz="1200" kern="1200">
+        <a:solidFill>
+          <a:schemeClr val="tx1"/>
+        </a:solidFill>
+        <a:latin typeface="+mn-lt"/>
+        <a:ea typeface="+mn-ea"/>
+        <a:cs typeface="+mn-cs"/>
+      </a:defRPr>
+    </a:lvl4pPr>
+    <a:lvl5pPr marL="1828800" algn="l" defTabSz="914400" rtl="0" eaLnBrk="1" latinLnBrk="0" hangingPunct="1">
+      <a:defRPr sz="1200" kern="1200">
+        <a:solidFill>
+          <a:schemeClr val="tx1"/>
+        </a:solidFill>
+        <a:latin typeface="+mn-lt"/>
+        <a:ea typeface="+mn-ea"/>
+        <a:cs typeface="+mn-cs"/>
+      </a:defRPr>
+    </a:lvl5pPr>
+    <a:lvl6pPr marL="2286000" algn="l" defTabSz="914400" rtl="0" eaLnBrk="1" latinLnBrk="0" hangingPunct="1">
+      <a:defRPr sz="1200" kern="1200">
+        <a:solidFill>
+          <a:schemeClr val="tx1"/>
+        </a:solidFill>
+        <a:latin typeface="+mn-lt"/>
+        <a:ea typeface="+mn-ea"/>
+        <a:cs typeface="+mn-cs"/>
+      </a:defRPr>
+    </a:lvl6pPr>
+    <a:lvl7pPr marL="2743200" algn="l" defTabSz="914400" rtl="0" eaLnBrk="1" latinLnBrk="0" hangingPunct="1">
+      <a:defRPr sz="1200" kern="1200">
+        <a:solidFill>
+          <a:schemeClr val="tx1"/>
+        </a:solidFill>
+        <a:latin typeface="+mn-lt"/>
+        <a:ea typeface="+mn-ea"/>
+        <a:cs typeface="+mn-cs"/>
+      </a:defRPr>
+    </a:lvl7pPr>
+    <a:lvl8pPr marL="3200400" algn="l" defTabSz="914400" rtl="0" eaLnBrk="1" latinLnBrk="0" hangingPunct="1">
+      <a:defRPr sz="1200" kern="1200">
+        <a:solidFill>
+          <a:schemeClr val="tx1"/>
+        </a:solidFill>
+        <a:latin typeface="+mn-lt"/>
+        <a:ea typeface="+mn-ea"/>
+        <a:cs typeface="+mn-cs"/>
+      </a:defRPr>
+    </a:lvl8pPr>
+    <a:lvl9pPr marL="3657600" algn="l" defTabSz="914400" rtl="0" eaLnBrk="1" latinLnBrk="0" hangingPunct="1">
+      <a:defRPr sz="1200" kern="1200">
+        <a:solidFill>
+          <a:schemeClr val="tx1"/>
+        </a:solidFill>
+        <a:latin typeface="+mn-lt"/>
+        <a:ea typeface="+mn-ea"/>
+        <a:cs typeface="+mn-cs"/>
+      </a:defRPr>
+    </a:lvl9pPr>
+  </p:notesStyle>
+</p:notesMaster>
+</file>
+
 <file path=ppt/slideLayouts/slideLayout1.xml><?xml version="1.0" encoding="utf-8"?>
 <p:sldLayout xmlns:a="http://schemas.openxmlformats.org/drawingml/2006/main" xmlns:r="http://schemas.openxmlformats.org/officeDocument/2006/relationships" xmlns:p="http://schemas.openxmlformats.org/presentationml/2006/main" type="title" preserve="1">
   <p:cSld name="Title Slide">
@@ -271,7 +623,7 @@
           <a:bodyPr/>
           <a:lstStyle/>
           <a:p>
-            <a:fld id="{F0115755-0214-4CC6-99A7-95D98871674A}" type="datetimeFigureOut">
+            <a:fld id="{A429667E-C24E-43B9-8AA6-DA3D1F4F7A8F}" type="datetime1">
               <a:rPr lang="en-US" smtClean="0"/>
               <a:t>12/6/2022</a:t>
             </a:fld>
@@ -469,7 +821,7 @@
           <a:bodyPr/>
           <a:lstStyle/>
           <a:p>
-            <a:fld id="{F0115755-0214-4CC6-99A7-95D98871674A}" type="datetimeFigureOut">
+            <a:fld id="{6A784AF5-049B-4C29-BE18-6A0A8240DFBE}" type="datetime1">
               <a:rPr lang="en-US" smtClean="0"/>
               <a:t>12/6/2022</a:t>
             </a:fld>
@@ -677,7 +1029,7 @@
           <a:bodyPr/>
           <a:lstStyle/>
           <a:p>
-            <a:fld id="{F0115755-0214-4CC6-99A7-95D98871674A}" type="datetimeFigureOut">
+            <a:fld id="{B08C5A5A-F525-4101-BABF-4A3A8FBA2A78}" type="datetime1">
               <a:rPr lang="en-US" smtClean="0"/>
               <a:t>12/6/2022</a:t>
             </a:fld>
@@ -875,7 +1227,7 @@
           <a:bodyPr/>
           <a:lstStyle/>
           <a:p>
-            <a:fld id="{F0115755-0214-4CC6-99A7-95D98871674A}" type="datetimeFigureOut">
+            <a:fld id="{D0D27202-49FF-4800-9E5F-441113C17778}" type="datetime1">
               <a:rPr lang="en-US" smtClean="0"/>
               <a:t>12/6/2022</a:t>
             </a:fld>
@@ -1150,7 +1502,7 @@
           <a:bodyPr/>
           <a:lstStyle/>
           <a:p>
-            <a:fld id="{F0115755-0214-4CC6-99A7-95D98871674A}" type="datetimeFigureOut">
+            <a:fld id="{E5712B97-EFCD-4014-AE97-AA27F6ED6DD2}" type="datetime1">
               <a:rPr lang="en-US" smtClean="0"/>
               <a:t>12/6/2022</a:t>
             </a:fld>
@@ -1415,7 +1767,7 @@
           <a:bodyPr/>
           <a:lstStyle/>
           <a:p>
-            <a:fld id="{F0115755-0214-4CC6-99A7-95D98871674A}" type="datetimeFigureOut">
+            <a:fld id="{92F5AF90-842E-4CF5-9648-0E55EED0F2FD}" type="datetime1">
               <a:rPr lang="en-US" smtClean="0"/>
               <a:t>12/6/2022</a:t>
             </a:fld>
@@ -1827,7 +2179,7 @@
           <a:bodyPr/>
           <a:lstStyle/>
           <a:p>
-            <a:fld id="{F0115755-0214-4CC6-99A7-95D98871674A}" type="datetimeFigureOut">
+            <a:fld id="{EAEFF86A-4C34-4EC2-88D8-4CF592FF9501}" type="datetime1">
               <a:rPr lang="en-US" smtClean="0"/>
               <a:t>12/6/2022</a:t>
             </a:fld>
@@ -1968,7 +2320,7 @@
           <a:bodyPr/>
           <a:lstStyle/>
           <a:p>
-            <a:fld id="{F0115755-0214-4CC6-99A7-95D98871674A}" type="datetimeFigureOut">
+            <a:fld id="{6F6703EB-872A-40D1-8249-CBAA2D367566}" type="datetime1">
               <a:rPr lang="en-US" smtClean="0"/>
               <a:t>12/6/2022</a:t>
             </a:fld>
@@ -2081,7 +2433,7 @@
           <a:bodyPr/>
           <a:lstStyle/>
           <a:p>
-            <a:fld id="{F0115755-0214-4CC6-99A7-95D98871674A}" type="datetimeFigureOut">
+            <a:fld id="{E94D11A8-7742-439A-9684-172FB6C4E910}" type="datetime1">
               <a:rPr lang="en-US" smtClean="0"/>
               <a:t>12/6/2022</a:t>
             </a:fld>
@@ -2392,7 +2744,7 @@
           <a:bodyPr/>
           <a:lstStyle/>
           <a:p>
-            <a:fld id="{F0115755-0214-4CC6-99A7-95D98871674A}" type="datetimeFigureOut">
+            <a:fld id="{D4457E92-4357-48D6-A96E-B9D8E01AB277}" type="datetime1">
               <a:rPr lang="en-US" smtClean="0"/>
               <a:t>12/6/2022</a:t>
             </a:fld>
@@ -2680,7 +3032,7 @@
           <a:bodyPr/>
           <a:lstStyle/>
           <a:p>
-            <a:fld id="{F0115755-0214-4CC6-99A7-95D98871674A}" type="datetimeFigureOut">
+            <a:fld id="{A5C48918-EFF3-4557-B785-32AFFDF2A659}" type="datetime1">
               <a:rPr lang="en-US" smtClean="0"/>
               <a:t>12/6/2022</a:t>
             </a:fld>
@@ -2921,7 +3273,7 @@
             </a:lvl1pPr>
           </a:lstStyle>
           <a:p>
-            <a:fld id="{F0115755-0214-4CC6-99A7-95D98871674A}" type="datetimeFigureOut">
+            <a:fld id="{37CF8DFF-130E-49BD-B06D-34D307E02EEE}" type="datetime1">
               <a:rPr lang="en-US" smtClean="0"/>
               <a:t>12/6/2022</a:t>
             </a:fld>
@@ -3040,6 +3392,7 @@
     <p:sldLayoutId id="2147483658" r:id="rId10"/>
     <p:sldLayoutId id="2147483659" r:id="rId11"/>
   </p:sldLayoutIdLst>
+  <p:hf hdr="0" ftr="0" dt="0"/>
   <p:txStyles>
     <p:titleStyle>
       <a:lvl1pPr algn="l" defTabSz="914400" rtl="0" eaLnBrk="1" latinLnBrk="0" hangingPunct="1">
@@ -3428,6 +3781,35 @@
           </a:p>
         </p:txBody>
       </p:sp>
+      <p:sp>
+        <p:nvSpPr>
+          <p:cNvPr id="4" name="Slide Number Placeholder 3">
+            <a:extLst>
+              <a:ext uri="{FF2B5EF4-FFF2-40B4-BE49-F238E27FC236}">
+                <a16:creationId xmlns:a16="http://schemas.microsoft.com/office/drawing/2014/main" id="{3086753F-9F57-24B0-FD00-ED045106847E}"/>
+              </a:ext>
+            </a:extLst>
+          </p:cNvPr>
+          <p:cNvSpPr>
+            <a:spLocks noGrp="1"/>
+          </p:cNvSpPr>
+          <p:nvPr>
+            <p:ph type="sldNum" sz="quarter" idx="12"/>
+          </p:nvPr>
+        </p:nvSpPr>
+        <p:spPr/>
+        <p:txBody>
+          <a:bodyPr/>
+          <a:lstStyle/>
+          <a:p>
+            <a:fld id="{F56AC8B8-03BA-4745-994C-072AEE7EB195}" type="slidenum">
+              <a:rPr lang="en-US" smtClean="0"/>
+              <a:t>1</a:t>
+            </a:fld>
+            <a:endParaRPr lang="en-US"/>
+          </a:p>
+        </p:txBody>
+      </p:sp>
     </p:spTree>
     <p:extLst>
       <p:ext uri="{BB962C8B-B14F-4D97-AF65-F5344CB8AC3E}">
@@ -3486,6 +3868,35 @@
           </a:p>
         </p:txBody>
       </p:sp>
+      <p:sp>
+        <p:nvSpPr>
+          <p:cNvPr id="2" name="Slide Number Placeholder 1">
+            <a:extLst>
+              <a:ext uri="{FF2B5EF4-FFF2-40B4-BE49-F238E27FC236}">
+                <a16:creationId xmlns:a16="http://schemas.microsoft.com/office/drawing/2014/main" id="{1C043AB8-C7E4-B651-631A-7ED72CF66420}"/>
+              </a:ext>
+            </a:extLst>
+          </p:cNvPr>
+          <p:cNvSpPr>
+            <a:spLocks noGrp="1"/>
+          </p:cNvSpPr>
+          <p:nvPr>
+            <p:ph type="sldNum" sz="quarter" idx="12"/>
+          </p:nvPr>
+        </p:nvSpPr>
+        <p:spPr/>
+        <p:txBody>
+          <a:bodyPr/>
+          <a:lstStyle/>
+          <a:p>
+            <a:fld id="{F56AC8B8-03BA-4745-994C-072AEE7EB195}" type="slidenum">
+              <a:rPr lang="en-US" smtClean="0"/>
+              <a:t>10</a:t>
+            </a:fld>
+            <a:endParaRPr lang="en-US"/>
+          </a:p>
+        </p:txBody>
+      </p:sp>
     </p:spTree>
     <p:extLst>
       <p:ext uri="{BB962C8B-B14F-4D97-AF65-F5344CB8AC3E}">
@@ -3633,6 +4044,35 @@
           </a:p>
         </p:txBody>
       </p:sp>
+      <p:sp>
+        <p:nvSpPr>
+          <p:cNvPr id="4" name="Slide Number Placeholder 3">
+            <a:extLst>
+              <a:ext uri="{FF2B5EF4-FFF2-40B4-BE49-F238E27FC236}">
+                <a16:creationId xmlns:a16="http://schemas.microsoft.com/office/drawing/2014/main" id="{6E7402AE-3162-E566-6569-94049FBDD12C}"/>
+              </a:ext>
+            </a:extLst>
+          </p:cNvPr>
+          <p:cNvSpPr>
+            <a:spLocks noGrp="1"/>
+          </p:cNvSpPr>
+          <p:nvPr>
+            <p:ph type="sldNum" sz="quarter" idx="12"/>
+          </p:nvPr>
+        </p:nvSpPr>
+        <p:spPr/>
+        <p:txBody>
+          <a:bodyPr/>
+          <a:lstStyle/>
+          <a:p>
+            <a:fld id="{F56AC8B8-03BA-4745-994C-072AEE7EB195}" type="slidenum">
+              <a:rPr lang="en-US" smtClean="0"/>
+              <a:t>11</a:t>
+            </a:fld>
+            <a:endParaRPr lang="en-US"/>
+          </a:p>
+        </p:txBody>
+      </p:sp>
     </p:spTree>
     <p:extLst>
       <p:ext uri="{BB962C8B-B14F-4D97-AF65-F5344CB8AC3E}">
@@ -3691,6 +4131,35 @@
           </a:p>
         </p:txBody>
       </p:sp>
+      <p:sp>
+        <p:nvSpPr>
+          <p:cNvPr id="2" name="Slide Number Placeholder 1">
+            <a:extLst>
+              <a:ext uri="{FF2B5EF4-FFF2-40B4-BE49-F238E27FC236}">
+                <a16:creationId xmlns:a16="http://schemas.microsoft.com/office/drawing/2014/main" id="{0DD0E005-37CB-96D0-B550-B0EF82B0AFEB}"/>
+              </a:ext>
+            </a:extLst>
+          </p:cNvPr>
+          <p:cNvSpPr>
+            <a:spLocks noGrp="1"/>
+          </p:cNvSpPr>
+          <p:nvPr>
+            <p:ph type="sldNum" sz="quarter" idx="12"/>
+          </p:nvPr>
+        </p:nvSpPr>
+        <p:spPr/>
+        <p:txBody>
+          <a:bodyPr/>
+          <a:lstStyle/>
+          <a:p>
+            <a:fld id="{F56AC8B8-03BA-4745-994C-072AEE7EB195}" type="slidenum">
+              <a:rPr lang="en-US" smtClean="0"/>
+              <a:t>12</a:t>
+            </a:fld>
+            <a:endParaRPr lang="en-US"/>
+          </a:p>
+        </p:txBody>
+      </p:sp>
     </p:spTree>
     <p:extLst>
       <p:ext uri="{BB962C8B-B14F-4D97-AF65-F5344CB8AC3E}">
@@ -3842,6 +4311,35 @@
           </a:p>
         </p:txBody>
       </p:sp>
+      <p:sp>
+        <p:nvSpPr>
+          <p:cNvPr id="4" name="Slide Number Placeholder 3">
+            <a:extLst>
+              <a:ext uri="{FF2B5EF4-FFF2-40B4-BE49-F238E27FC236}">
+                <a16:creationId xmlns:a16="http://schemas.microsoft.com/office/drawing/2014/main" id="{FE2DD13F-F14E-DE22-68E3-8E5ADD79F467}"/>
+              </a:ext>
+            </a:extLst>
+          </p:cNvPr>
+          <p:cNvSpPr>
+            <a:spLocks noGrp="1"/>
+          </p:cNvSpPr>
+          <p:nvPr>
+            <p:ph type="sldNum" sz="quarter" idx="12"/>
+          </p:nvPr>
+        </p:nvSpPr>
+        <p:spPr/>
+        <p:txBody>
+          <a:bodyPr/>
+          <a:lstStyle/>
+          <a:p>
+            <a:fld id="{F56AC8B8-03BA-4745-994C-072AEE7EB195}" type="slidenum">
+              <a:rPr lang="en-US" smtClean="0"/>
+              <a:t>13</a:t>
+            </a:fld>
+            <a:endParaRPr lang="en-US"/>
+          </a:p>
+        </p:txBody>
+      </p:sp>
     </p:spTree>
     <p:extLst>
       <p:ext uri="{BB962C8B-B14F-4D97-AF65-F5344CB8AC3E}">
@@ -3942,6 +4440,35 @@
           </a:p>
         </p:txBody>
       </p:sp>
+      <p:sp>
+        <p:nvSpPr>
+          <p:cNvPr id="4" name="Slide Number Placeholder 3">
+            <a:extLst>
+              <a:ext uri="{FF2B5EF4-FFF2-40B4-BE49-F238E27FC236}">
+                <a16:creationId xmlns:a16="http://schemas.microsoft.com/office/drawing/2014/main" id="{9DB16714-064C-5A95-F5A4-61CE61A414AD}"/>
+              </a:ext>
+            </a:extLst>
+          </p:cNvPr>
+          <p:cNvSpPr>
+            <a:spLocks noGrp="1"/>
+          </p:cNvSpPr>
+          <p:nvPr>
+            <p:ph type="sldNum" sz="quarter" idx="12"/>
+          </p:nvPr>
+        </p:nvSpPr>
+        <p:spPr/>
+        <p:txBody>
+          <a:bodyPr/>
+          <a:lstStyle/>
+          <a:p>
+            <a:fld id="{F56AC8B8-03BA-4745-994C-072AEE7EB195}" type="slidenum">
+              <a:rPr lang="en-US" smtClean="0"/>
+              <a:t>14</a:t>
+            </a:fld>
+            <a:endParaRPr lang="en-US"/>
+          </a:p>
+        </p:txBody>
+      </p:sp>
     </p:spTree>
     <p:extLst>
       <p:ext uri="{BB962C8B-B14F-4D97-AF65-F5344CB8AC3E}">
@@ -4017,6 +4544,35 @@
           </a:p>
         </p:txBody>
       </p:sp>
+      <p:sp>
+        <p:nvSpPr>
+          <p:cNvPr id="3" name="Slide Number Placeholder 2">
+            <a:extLst>
+              <a:ext uri="{FF2B5EF4-FFF2-40B4-BE49-F238E27FC236}">
+                <a16:creationId xmlns:a16="http://schemas.microsoft.com/office/drawing/2014/main" id="{14A2F5BC-4D35-7AE1-609A-9916E337CD69}"/>
+              </a:ext>
+            </a:extLst>
+          </p:cNvPr>
+          <p:cNvSpPr>
+            <a:spLocks noGrp="1"/>
+          </p:cNvSpPr>
+          <p:nvPr>
+            <p:ph type="sldNum" sz="quarter" idx="12"/>
+          </p:nvPr>
+        </p:nvSpPr>
+        <p:spPr/>
+        <p:txBody>
+          <a:bodyPr/>
+          <a:lstStyle/>
+          <a:p>
+            <a:fld id="{F56AC8B8-03BA-4745-994C-072AEE7EB195}" type="slidenum">
+              <a:rPr lang="en-US" smtClean="0"/>
+              <a:t>15</a:t>
+            </a:fld>
+            <a:endParaRPr lang="en-US"/>
+          </a:p>
+        </p:txBody>
+      </p:sp>
     </p:spTree>
     <p:extLst>
       <p:ext uri="{BB962C8B-B14F-4D97-AF65-F5344CB8AC3E}">
@@ -4075,6 +4631,35 @@
           </a:p>
         </p:txBody>
       </p:sp>
+      <p:sp>
+        <p:nvSpPr>
+          <p:cNvPr id="2" name="Slide Number Placeholder 1">
+            <a:extLst>
+              <a:ext uri="{FF2B5EF4-FFF2-40B4-BE49-F238E27FC236}">
+                <a16:creationId xmlns:a16="http://schemas.microsoft.com/office/drawing/2014/main" id="{CA55D57A-2609-7778-5D05-94A20CA9ABCE}"/>
+              </a:ext>
+            </a:extLst>
+          </p:cNvPr>
+          <p:cNvSpPr>
+            <a:spLocks noGrp="1"/>
+          </p:cNvSpPr>
+          <p:nvPr>
+            <p:ph type="sldNum" sz="quarter" idx="12"/>
+          </p:nvPr>
+        </p:nvSpPr>
+        <p:spPr/>
+        <p:txBody>
+          <a:bodyPr/>
+          <a:lstStyle/>
+          <a:p>
+            <a:fld id="{F56AC8B8-03BA-4745-994C-072AEE7EB195}" type="slidenum">
+              <a:rPr lang="en-US" smtClean="0"/>
+              <a:t>2</a:t>
+            </a:fld>
+            <a:endParaRPr lang="en-US"/>
+          </a:p>
+        </p:txBody>
+      </p:sp>
     </p:spTree>
     <p:extLst>
       <p:ext uri="{BB962C8B-B14F-4D97-AF65-F5344CB8AC3E}">
@@ -4175,6 +4760,35 @@
           </a:p>
         </p:txBody>
       </p:sp>
+      <p:sp>
+        <p:nvSpPr>
+          <p:cNvPr id="4" name="Slide Number Placeholder 3">
+            <a:extLst>
+              <a:ext uri="{FF2B5EF4-FFF2-40B4-BE49-F238E27FC236}">
+                <a16:creationId xmlns:a16="http://schemas.microsoft.com/office/drawing/2014/main" id="{13D1065C-0B23-6D9D-4687-807AC2FDE565}"/>
+              </a:ext>
+            </a:extLst>
+          </p:cNvPr>
+          <p:cNvSpPr>
+            <a:spLocks noGrp="1"/>
+          </p:cNvSpPr>
+          <p:nvPr>
+            <p:ph type="sldNum" sz="quarter" idx="12"/>
+          </p:nvPr>
+        </p:nvSpPr>
+        <p:spPr/>
+        <p:txBody>
+          <a:bodyPr/>
+          <a:lstStyle/>
+          <a:p>
+            <a:fld id="{F56AC8B8-03BA-4745-994C-072AEE7EB195}" type="slidenum">
+              <a:rPr lang="en-US" smtClean="0"/>
+              <a:t>3</a:t>
+            </a:fld>
+            <a:endParaRPr lang="en-US"/>
+          </a:p>
+        </p:txBody>
+      </p:sp>
     </p:spTree>
     <p:extLst>
       <p:ext uri="{BB962C8B-B14F-4D97-AF65-F5344CB8AC3E}">
@@ -4233,6 +4847,35 @@
           </a:p>
         </p:txBody>
       </p:sp>
+      <p:sp>
+        <p:nvSpPr>
+          <p:cNvPr id="2" name="Slide Number Placeholder 1">
+            <a:extLst>
+              <a:ext uri="{FF2B5EF4-FFF2-40B4-BE49-F238E27FC236}">
+                <a16:creationId xmlns:a16="http://schemas.microsoft.com/office/drawing/2014/main" id="{4F854354-C68F-8668-4886-D18DE3290A70}"/>
+              </a:ext>
+            </a:extLst>
+          </p:cNvPr>
+          <p:cNvSpPr>
+            <a:spLocks noGrp="1"/>
+          </p:cNvSpPr>
+          <p:nvPr>
+            <p:ph type="sldNum" sz="quarter" idx="12"/>
+          </p:nvPr>
+        </p:nvSpPr>
+        <p:spPr/>
+        <p:txBody>
+          <a:bodyPr/>
+          <a:lstStyle/>
+          <a:p>
+            <a:fld id="{F56AC8B8-03BA-4745-994C-072AEE7EB195}" type="slidenum">
+              <a:rPr lang="en-US" smtClean="0"/>
+              <a:t>4</a:t>
+            </a:fld>
+            <a:endParaRPr lang="en-US"/>
+          </a:p>
+        </p:txBody>
+      </p:sp>
     </p:spTree>
     <p:extLst>
       <p:ext uri="{BB962C8B-B14F-4D97-AF65-F5344CB8AC3E}">
@@ -4346,6 +4989,35 @@
           </a:p>
         </p:txBody>
       </p:sp>
+      <p:sp>
+        <p:nvSpPr>
+          <p:cNvPr id="4" name="Slide Number Placeholder 3">
+            <a:extLst>
+              <a:ext uri="{FF2B5EF4-FFF2-40B4-BE49-F238E27FC236}">
+                <a16:creationId xmlns:a16="http://schemas.microsoft.com/office/drawing/2014/main" id="{9EE1467D-13A7-BE50-EBBE-B4FE6C9FB6BF}"/>
+              </a:ext>
+            </a:extLst>
+          </p:cNvPr>
+          <p:cNvSpPr>
+            <a:spLocks noGrp="1"/>
+          </p:cNvSpPr>
+          <p:nvPr>
+            <p:ph type="sldNum" sz="quarter" idx="12"/>
+          </p:nvPr>
+        </p:nvSpPr>
+        <p:spPr/>
+        <p:txBody>
+          <a:bodyPr/>
+          <a:lstStyle/>
+          <a:p>
+            <a:fld id="{F56AC8B8-03BA-4745-994C-072AEE7EB195}" type="slidenum">
+              <a:rPr lang="en-US" smtClean="0"/>
+              <a:t>5</a:t>
+            </a:fld>
+            <a:endParaRPr lang="en-US"/>
+          </a:p>
+        </p:txBody>
+      </p:sp>
     </p:spTree>
     <p:extLst>
       <p:ext uri="{BB962C8B-B14F-4D97-AF65-F5344CB8AC3E}">
@@ -4404,6 +5076,35 @@
           </a:p>
         </p:txBody>
       </p:sp>
+      <p:sp>
+        <p:nvSpPr>
+          <p:cNvPr id="2" name="Slide Number Placeholder 1">
+            <a:extLst>
+              <a:ext uri="{FF2B5EF4-FFF2-40B4-BE49-F238E27FC236}">
+                <a16:creationId xmlns:a16="http://schemas.microsoft.com/office/drawing/2014/main" id="{870EF095-C38D-D53A-343F-4F2C4877626D}"/>
+              </a:ext>
+            </a:extLst>
+          </p:cNvPr>
+          <p:cNvSpPr>
+            <a:spLocks noGrp="1"/>
+          </p:cNvSpPr>
+          <p:nvPr>
+            <p:ph type="sldNum" sz="quarter" idx="12"/>
+          </p:nvPr>
+        </p:nvSpPr>
+        <p:spPr/>
+        <p:txBody>
+          <a:bodyPr/>
+          <a:lstStyle/>
+          <a:p>
+            <a:fld id="{F56AC8B8-03BA-4745-994C-072AEE7EB195}" type="slidenum">
+              <a:rPr lang="en-US" smtClean="0"/>
+              <a:t>6</a:t>
+            </a:fld>
+            <a:endParaRPr lang="en-US"/>
+          </a:p>
+        </p:txBody>
+      </p:sp>
     </p:spTree>
     <p:extLst>
       <p:ext uri="{BB962C8B-B14F-4D97-AF65-F5344CB8AC3E}">
@@ -4489,6 +5190,26 @@
                   <a:srgbClr val="FFFF00"/>
                 </a:highlight>
               </a:rPr>
+              <a:t>How many columns? How many rows?</a:t>
+            </a:r>
+          </a:p>
+          <a:p>
+            <a:r>
+              <a:rPr lang="en-US" dirty="0">
+                <a:highlight>
+                  <a:srgbClr val="FFFF00"/>
+                </a:highlight>
+              </a:rPr>
+              <a:t>Are there missing values? How many (%)? </a:t>
+            </a:r>
+          </a:p>
+          <a:p>
+            <a:r>
+              <a:rPr lang="en-US" dirty="0">
+                <a:highlight>
+                  <a:srgbClr val="FFFF00"/>
+                </a:highlight>
+              </a:rPr>
               <a:t>Use descriptive statistics </a:t>
             </a:r>
           </a:p>
@@ -4519,28 +5240,37 @@
                   <a:srgbClr val="FFFF00"/>
                 </a:highlight>
               </a:rPr>
-              <a:t>How many columns? How many rows?</a:t>
-            </a:r>
-          </a:p>
-          <a:p>
-            <a:r>
-              <a:rPr lang="en-US" dirty="0">
-                <a:highlight>
-                  <a:srgbClr val="FFFF00"/>
-                </a:highlight>
-              </a:rPr>
-              <a:t>Are there missing values? How many? </a:t>
-            </a:r>
-          </a:p>
-          <a:p>
-            <a:r>
-              <a:rPr lang="en-US" dirty="0">
-                <a:highlight>
-                  <a:srgbClr val="FFFF00"/>
-                </a:highlight>
-              </a:rPr>
               <a:t>Add slides as you want </a:t>
             </a:r>
+          </a:p>
+        </p:txBody>
+      </p:sp>
+      <p:sp>
+        <p:nvSpPr>
+          <p:cNvPr id="4" name="Slide Number Placeholder 3">
+            <a:extLst>
+              <a:ext uri="{FF2B5EF4-FFF2-40B4-BE49-F238E27FC236}">
+                <a16:creationId xmlns:a16="http://schemas.microsoft.com/office/drawing/2014/main" id="{AB66E3E2-AAD8-F512-2126-60AF9A4F7C65}"/>
+              </a:ext>
+            </a:extLst>
+          </p:cNvPr>
+          <p:cNvSpPr>
+            <a:spLocks noGrp="1"/>
+          </p:cNvSpPr>
+          <p:nvPr>
+            <p:ph type="sldNum" sz="quarter" idx="12"/>
+          </p:nvPr>
+        </p:nvSpPr>
+        <p:spPr/>
+        <p:txBody>
+          <a:bodyPr/>
+          <a:lstStyle/>
+          <a:p>
+            <a:fld id="{F56AC8B8-03BA-4745-994C-072AEE7EB195}" type="slidenum">
+              <a:rPr lang="en-US" smtClean="0"/>
+              <a:t>7</a:t>
+            </a:fld>
+            <a:endParaRPr lang="en-US"/>
           </a:p>
         </p:txBody>
       </p:sp>
@@ -4602,6 +5332,35 @@
           </a:p>
         </p:txBody>
       </p:sp>
+      <p:sp>
+        <p:nvSpPr>
+          <p:cNvPr id="2" name="Slide Number Placeholder 1">
+            <a:extLst>
+              <a:ext uri="{FF2B5EF4-FFF2-40B4-BE49-F238E27FC236}">
+                <a16:creationId xmlns:a16="http://schemas.microsoft.com/office/drawing/2014/main" id="{B846FC3F-E470-CBDC-61DA-F54A1F4524F3}"/>
+              </a:ext>
+            </a:extLst>
+          </p:cNvPr>
+          <p:cNvSpPr>
+            <a:spLocks noGrp="1"/>
+          </p:cNvSpPr>
+          <p:nvPr>
+            <p:ph type="sldNum" sz="quarter" idx="12"/>
+          </p:nvPr>
+        </p:nvSpPr>
+        <p:spPr/>
+        <p:txBody>
+          <a:bodyPr/>
+          <a:lstStyle/>
+          <a:p>
+            <a:fld id="{F56AC8B8-03BA-4745-994C-072AEE7EB195}" type="slidenum">
+              <a:rPr lang="en-US" smtClean="0"/>
+              <a:t>8</a:t>
+            </a:fld>
+            <a:endParaRPr lang="en-US"/>
+          </a:p>
+        </p:txBody>
+      </p:sp>
     </p:spTree>
     <p:extLst>
       <p:ext uri="{BB962C8B-B14F-4D97-AF65-F5344CB8AC3E}">
@@ -4678,7 +5437,9 @@
         </p:nvSpPr>
         <p:spPr/>
         <p:txBody>
-          <a:bodyPr/>
+          <a:bodyPr>
+            <a:normAutofit/>
+          </a:bodyPr>
           <a:lstStyle/>
           <a:p>
             <a:r>
@@ -4707,20 +5468,45 @@
                   <a:srgbClr val="FFFF00"/>
                 </a:highlight>
               </a:rPr>
-              <a:t>Add slides as you want </a:t>
-            </a:r>
-          </a:p>
-          <a:p>
-            <a:pPr marL="0" indent="0">
-              <a:buNone/>
-            </a:pPr>
+              <a:t>How you split data (include table that describe %) </a:t>
+            </a:r>
+          </a:p>
+          <a:p>
+            <a:endParaRPr lang="en-US" dirty="0">
+              <a:highlight>
+                <a:srgbClr val="FFFF00"/>
+              </a:highlight>
+            </a:endParaRPr>
+          </a:p>
+          <a:p>
+            <a:endParaRPr lang="en-US" dirty="0">
+              <a:highlight>
+                <a:srgbClr val="FFFF00"/>
+              </a:highlight>
+            </a:endParaRPr>
+          </a:p>
+          <a:p>
+            <a:endParaRPr lang="en-US" dirty="0">
+              <a:highlight>
+                <a:srgbClr val="FFFF00"/>
+              </a:highlight>
+            </a:endParaRPr>
+          </a:p>
+          <a:p>
+            <a:endParaRPr lang="en-US" dirty="0">
+              <a:highlight>
+                <a:srgbClr val="FFFF00"/>
+              </a:highlight>
+            </a:endParaRPr>
+          </a:p>
+          <a:p>
             <a:r>
               <a:rPr lang="en-US" dirty="0">
                 <a:highlight>
                   <a:srgbClr val="FFFF00"/>
                 </a:highlight>
               </a:rPr>
-              <a:t> </a:t>
+              <a:t>Add slides as you want </a:t>
             </a:r>
           </a:p>
           <a:p>
@@ -4739,6 +5525,218 @@
           </a:p>
         </p:txBody>
       </p:sp>
+      <p:sp>
+        <p:nvSpPr>
+          <p:cNvPr id="4" name="Slide Number Placeholder 3">
+            <a:extLst>
+              <a:ext uri="{FF2B5EF4-FFF2-40B4-BE49-F238E27FC236}">
+                <a16:creationId xmlns:a16="http://schemas.microsoft.com/office/drawing/2014/main" id="{961E8B88-E2C4-B94E-234F-852C9F142D84}"/>
+              </a:ext>
+            </a:extLst>
+          </p:cNvPr>
+          <p:cNvSpPr>
+            <a:spLocks noGrp="1"/>
+          </p:cNvSpPr>
+          <p:nvPr>
+            <p:ph type="sldNum" sz="quarter" idx="12"/>
+          </p:nvPr>
+        </p:nvSpPr>
+        <p:spPr/>
+        <p:txBody>
+          <a:bodyPr/>
+          <a:lstStyle/>
+          <a:p>
+            <a:fld id="{F56AC8B8-03BA-4745-994C-072AEE7EB195}" type="slidenum">
+              <a:rPr lang="en-US" smtClean="0"/>
+              <a:t>9</a:t>
+            </a:fld>
+            <a:endParaRPr lang="en-US"/>
+          </a:p>
+        </p:txBody>
+      </p:sp>
+      <p:graphicFrame>
+        <p:nvGraphicFramePr>
+          <p:cNvPr id="5" name="Table 5">
+            <a:extLst>
+              <a:ext uri="{FF2B5EF4-FFF2-40B4-BE49-F238E27FC236}">
+                <a16:creationId xmlns:a16="http://schemas.microsoft.com/office/drawing/2014/main" id="{FE7F9863-7595-1158-A37E-D810627B3F26}"/>
+              </a:ext>
+            </a:extLst>
+          </p:cNvPr>
+          <p:cNvGraphicFramePr>
+            <a:graphicFrameLocks noGrp="1"/>
+          </p:cNvGraphicFramePr>
+          <p:nvPr>
+            <p:extLst>
+              <p:ext uri="{D42A27DB-BD31-4B8C-83A1-F6EECF244321}">
+                <p14:modId xmlns:p14="http://schemas.microsoft.com/office/powerpoint/2010/main" val="4179408968"/>
+              </p:ext>
+            </p:extLst>
+          </p:nvPr>
+        </p:nvGraphicFramePr>
+        <p:xfrm>
+          <a:off x="2375949" y="3445034"/>
+          <a:ext cx="6096000" cy="1112520"/>
+        </p:xfrm>
+        <a:graphic>
+          <a:graphicData uri="http://schemas.openxmlformats.org/drawingml/2006/table">
+            <a:tbl>
+              <a:tblPr firstRow="1" bandRow="1">
+                <a:tableStyleId>{5C22544A-7EE6-4342-B048-85BDC9FD1C3A}</a:tableStyleId>
+              </a:tblPr>
+              <a:tblGrid>
+                <a:gridCol w="2032000">
+                  <a:extLst>
+                    <a:ext uri="{9D8B030D-6E8A-4147-A177-3AD203B41FA5}">
+                      <a16:colId xmlns:a16="http://schemas.microsoft.com/office/drawing/2014/main" val="4222841356"/>
+                    </a:ext>
+                  </a:extLst>
+                </a:gridCol>
+                <a:gridCol w="2032000">
+                  <a:extLst>
+                    <a:ext uri="{9D8B030D-6E8A-4147-A177-3AD203B41FA5}">
+                      <a16:colId xmlns:a16="http://schemas.microsoft.com/office/drawing/2014/main" val="1518392877"/>
+                    </a:ext>
+                  </a:extLst>
+                </a:gridCol>
+                <a:gridCol w="2032000">
+                  <a:extLst>
+                    <a:ext uri="{9D8B030D-6E8A-4147-A177-3AD203B41FA5}">
+                      <a16:colId xmlns:a16="http://schemas.microsoft.com/office/drawing/2014/main" val="3499520907"/>
+                    </a:ext>
+                  </a:extLst>
+                </a:gridCol>
+              </a:tblGrid>
+              <a:tr h="370840">
+                <a:tc>
+                  <a:txBody>
+                    <a:bodyPr/>
+                    <a:lstStyle/>
+                    <a:p>
+                      <a:r>
+                        <a:rPr lang="en-US" dirty="0"/>
+                        <a:t>Part </a:t>
+                      </a:r>
+                    </a:p>
+                  </a:txBody>
+                  <a:tcPr/>
+                </a:tc>
+                <a:tc>
+                  <a:txBody>
+                    <a:bodyPr/>
+                    <a:lstStyle/>
+                    <a:p>
+                      <a:r>
+                        <a:rPr lang="en-US" dirty="0"/>
+                        <a:t># of records </a:t>
+                      </a:r>
+                    </a:p>
+                  </a:txBody>
+                  <a:tcPr/>
+                </a:tc>
+                <a:tc>
+                  <a:txBody>
+                    <a:bodyPr/>
+                    <a:lstStyle/>
+                    <a:p>
+                      <a:r>
+                        <a:rPr lang="en-US" dirty="0"/>
+                        <a:t>% </a:t>
+                      </a:r>
+                    </a:p>
+                  </a:txBody>
+                  <a:tcPr/>
+                </a:tc>
+                <a:extLst>
+                  <a:ext uri="{0D108BD9-81ED-4DB2-BD59-A6C34878D82A}">
+                    <a16:rowId xmlns:a16="http://schemas.microsoft.com/office/drawing/2014/main" val="3875467797"/>
+                  </a:ext>
+                </a:extLst>
+              </a:tr>
+              <a:tr h="370840">
+                <a:tc>
+                  <a:txBody>
+                    <a:bodyPr/>
+                    <a:lstStyle/>
+                    <a:p>
+                      <a:r>
+                        <a:rPr lang="en-US" dirty="0"/>
+                        <a:t>Train </a:t>
+                      </a:r>
+                    </a:p>
+                  </a:txBody>
+                  <a:tcPr/>
+                </a:tc>
+                <a:tc>
+                  <a:txBody>
+                    <a:bodyPr/>
+                    <a:lstStyle/>
+                    <a:p>
+                      <a:endParaRPr lang="en-US" dirty="0"/>
+                    </a:p>
+                  </a:txBody>
+                  <a:tcPr/>
+                </a:tc>
+                <a:tc>
+                  <a:txBody>
+                    <a:bodyPr/>
+                    <a:lstStyle/>
+                    <a:p>
+                      <a:endParaRPr lang="en-US" dirty="0"/>
+                    </a:p>
+                  </a:txBody>
+                  <a:tcPr/>
+                </a:tc>
+                <a:extLst>
+                  <a:ext uri="{0D108BD9-81ED-4DB2-BD59-A6C34878D82A}">
+                    <a16:rowId xmlns:a16="http://schemas.microsoft.com/office/drawing/2014/main" val="356088516"/>
+                  </a:ext>
+                </a:extLst>
+              </a:tr>
+              <a:tr h="370840">
+                <a:tc>
+                  <a:txBody>
+                    <a:bodyPr/>
+                    <a:lstStyle/>
+                    <a:p>
+                      <a:r>
+                        <a:rPr lang="en-US" dirty="0"/>
+                        <a:t>Test </a:t>
+                      </a:r>
+                    </a:p>
+                  </a:txBody>
+                  <a:tcPr/>
+                </a:tc>
+                <a:tc>
+                  <a:txBody>
+                    <a:bodyPr/>
+                    <a:lstStyle/>
+                    <a:p>
+                      <a:endParaRPr lang="en-US"/>
+                    </a:p>
+                  </a:txBody>
+                  <a:tcPr/>
+                </a:tc>
+                <a:tc>
+                  <a:txBody>
+                    <a:bodyPr/>
+                    <a:lstStyle/>
+                    <a:p>
+                      <a:endParaRPr lang="en-US" dirty="0"/>
+                    </a:p>
+                  </a:txBody>
+                  <a:tcPr/>
+                </a:tc>
+                <a:extLst>
+                  <a:ext uri="{0D108BD9-81ED-4DB2-BD59-A6C34878D82A}">
+                    <a16:rowId xmlns:a16="http://schemas.microsoft.com/office/drawing/2014/main" val="2017190657"/>
+                  </a:ext>
+                </a:extLst>
+              </a:tr>
+            </a:tbl>
+          </a:graphicData>
+        </a:graphic>
+      </p:graphicFrame>
     </p:spTree>
     <p:extLst>
       <p:ext uri="{BB962C8B-B14F-4D97-AF65-F5344CB8AC3E}">
@@ -5045,4 +6043,299 @@
     </a:ext>
   </a:extLst>
 </a:theme>
+</file>
+
+<file path=ppt/theme/theme2.xml><?xml version="1.0" encoding="utf-8"?>
+<a:theme xmlns:a="http://schemas.openxmlformats.org/drawingml/2006/main" name="Office Theme">
+  <a:themeElements>
+    <a:clrScheme name="Office">
+      <a:dk1>
+        <a:sysClr val="windowText" lastClr="000000"/>
+      </a:dk1>
+      <a:lt1>
+        <a:sysClr val="window" lastClr="FFFFFF"/>
+      </a:lt1>
+      <a:dk2>
+        <a:srgbClr val="44546A"/>
+      </a:dk2>
+      <a:lt2>
+        <a:srgbClr val="E7E6E6"/>
+      </a:lt2>
+      <a:accent1>
+        <a:srgbClr val="4472C4"/>
+      </a:accent1>
+      <a:accent2>
+        <a:srgbClr val="ED7D31"/>
+      </a:accent2>
+      <a:accent3>
+        <a:srgbClr val="A5A5A5"/>
+      </a:accent3>
+      <a:accent4>
+        <a:srgbClr val="FFC000"/>
+      </a:accent4>
+      <a:accent5>
+        <a:srgbClr val="5B9BD5"/>
+      </a:accent5>
+      <a:accent6>
+        <a:srgbClr val="70AD47"/>
+      </a:accent6>
+      <a:hlink>
+        <a:srgbClr val="0563C1"/>
+      </a:hlink>
+      <a:folHlink>
+        <a:srgbClr val="954F72"/>
+      </a:folHlink>
+    </a:clrScheme>
+    <a:fontScheme name="Office">
+      <a:majorFont>
+        <a:latin typeface="Calibri Light" panose="020F0302020204030204"/>
+        <a:ea typeface=""/>
+        <a:cs typeface=""/>
+        <a:font script="Jpan" typeface="游ゴシック Light"/>
+        <a:font script="Hang" typeface="맑은 고딕"/>
+        <a:font script="Hans" typeface="等线 Light"/>
+        <a:font script="Hant" typeface="新細明體"/>
+        <a:font script="Arab" typeface="Times New Roman"/>
+        <a:font script="Hebr" typeface="Times New Roman"/>
+        <a:font script="Thai" typeface="Angsana New"/>
+        <a:font script="Ethi" typeface="Nyala"/>
+        <a:font script="Beng" typeface="Vrinda"/>
+        <a:font script="Gujr" typeface="Shruti"/>
+        <a:font script="Khmr" typeface="MoolBoran"/>
+        <a:font script="Knda" typeface="Tunga"/>
+        <a:font script="Guru" typeface="Raavi"/>
+        <a:font script="Cans" typeface="Euphemia"/>
+        <a:font script="Cher" typeface="Plantagenet Cherokee"/>
+        <a:font script="Yiii" typeface="Microsoft Yi Baiti"/>
+        <a:font script="Tibt" typeface="Microsoft Himalaya"/>
+        <a:font script="Thaa" typeface="MV Boli"/>
+        <a:font script="Deva" typeface="Mangal"/>
+        <a:font script="Telu" typeface="Gautami"/>
+        <a:font script="Taml" typeface="Latha"/>
+        <a:font script="Syrc" typeface="Estrangelo Edessa"/>
+        <a:font script="Orya" typeface="Kalinga"/>
+        <a:font script="Mlym" typeface="Kartika"/>
+        <a:font script="Laoo" typeface="DokChampa"/>
+        <a:font script="Sinh" typeface="Iskoola Pota"/>
+        <a:font script="Mong" typeface="Mongolian Baiti"/>
+        <a:font script="Viet" typeface="Times New Roman"/>
+        <a:font script="Uigh" typeface="Microsoft Uighur"/>
+        <a:font script="Geor" typeface="Sylfaen"/>
+        <a:font script="Armn" typeface="Arial"/>
+        <a:font script="Bugi" typeface="Leelawadee UI"/>
+        <a:font script="Bopo" typeface="Microsoft JhengHei"/>
+        <a:font script="Java" typeface="Javanese Text"/>
+        <a:font script="Lisu" typeface="Segoe UI"/>
+        <a:font script="Mymr" typeface="Myanmar Text"/>
+        <a:font script="Nkoo" typeface="Ebrima"/>
+        <a:font script="Olck" typeface="Nirmala UI"/>
+        <a:font script="Osma" typeface="Ebrima"/>
+        <a:font script="Phag" typeface="Phagspa"/>
+        <a:font script="Syrn" typeface="Estrangelo Edessa"/>
+        <a:font script="Syrj" typeface="Estrangelo Edessa"/>
+        <a:font script="Syre" typeface="Estrangelo Edessa"/>
+        <a:font script="Sora" typeface="Nirmala UI"/>
+        <a:font script="Tale" typeface="Microsoft Tai Le"/>
+        <a:font script="Talu" typeface="Microsoft New Tai Lue"/>
+        <a:font script="Tfng" typeface="Ebrima"/>
+      </a:majorFont>
+      <a:minorFont>
+        <a:latin typeface="Calibri" panose="020F0502020204030204"/>
+        <a:ea typeface=""/>
+        <a:cs typeface=""/>
+        <a:font script="Jpan" typeface="游ゴシック"/>
+        <a:font script="Hang" typeface="맑은 고딕"/>
+        <a:font script="Hans" typeface="等线"/>
+        <a:font script="Hant" typeface="新細明體"/>
+        <a:font script="Arab" typeface="Arial"/>
+        <a:font script="Hebr" typeface="Arial"/>
+        <a:font script="Thai" typeface="Cordia New"/>
+        <a:font script="Ethi" typeface="Nyala"/>
+        <a:font script="Beng" typeface="Vrinda"/>
+        <a:font script="Gujr" typeface="Shruti"/>
+        <a:font script="Khmr" typeface="DaunPenh"/>
+        <a:font script="Knda" typeface="Tunga"/>
+        <a:font script="Guru" typeface="Raavi"/>
+        <a:font script="Cans" typeface="Euphemia"/>
+        <a:font script="Cher" typeface="Plantagenet Cherokee"/>
+        <a:font script="Yiii" typeface="Microsoft Yi Baiti"/>
+        <a:font script="Tibt" typeface="Microsoft Himalaya"/>
+        <a:font script="Thaa" typeface="MV Boli"/>
+        <a:font script="Deva" typeface="Mangal"/>
+        <a:font script="Telu" typeface="Gautami"/>
+        <a:font script="Taml" typeface="Latha"/>
+        <a:font script="Syrc" typeface="Estrangelo Edessa"/>
+        <a:font script="Orya" typeface="Kalinga"/>
+        <a:font script="Mlym" typeface="Kartika"/>
+        <a:font script="Laoo" typeface="DokChampa"/>
+        <a:font script="Sinh" typeface="Iskoola Pota"/>
+        <a:font script="Mong" typeface="Mongolian Baiti"/>
+        <a:font script="Viet" typeface="Arial"/>
+        <a:font script="Uigh" typeface="Microsoft Uighur"/>
+        <a:font script="Geor" typeface="Sylfaen"/>
+        <a:font script="Armn" typeface="Arial"/>
+        <a:font script="Bugi" typeface="Leelawadee UI"/>
+        <a:font script="Bopo" typeface="Microsoft JhengHei"/>
+        <a:font script="Java" typeface="Javanese Text"/>
+        <a:font script="Lisu" typeface="Segoe UI"/>
+        <a:font script="Mymr" typeface="Myanmar Text"/>
+        <a:font script="Nkoo" typeface="Ebrima"/>
+        <a:font script="Olck" typeface="Nirmala UI"/>
+        <a:font script="Osma" typeface="Ebrima"/>
+        <a:font script="Phag" typeface="Phagspa"/>
+        <a:font script="Syrn" typeface="Estrangelo Edessa"/>
+        <a:font script="Syrj" typeface="Estrangelo Edessa"/>
+        <a:font script="Syre" typeface="Estrangelo Edessa"/>
+        <a:font script="Sora" typeface="Nirmala UI"/>
+        <a:font script="Tale" typeface="Microsoft Tai Le"/>
+        <a:font script="Talu" typeface="Microsoft New Tai Lue"/>
+        <a:font script="Tfng" typeface="Ebrima"/>
+      </a:minorFont>
+    </a:fontScheme>
+    <a:fmtScheme name="Office">
+      <a:fillStyleLst>
+        <a:solidFill>
+          <a:schemeClr val="phClr"/>
+        </a:solidFill>
+        <a:gradFill rotWithShape="1">
+          <a:gsLst>
+            <a:gs pos="0">
+              <a:schemeClr val="phClr">
+                <a:lumMod val="110000"/>
+                <a:satMod val="105000"/>
+                <a:tint val="67000"/>
+              </a:schemeClr>
+            </a:gs>
+            <a:gs pos="50000">
+              <a:schemeClr val="phClr">
+                <a:lumMod val="105000"/>
+                <a:satMod val="103000"/>
+                <a:tint val="73000"/>
+              </a:schemeClr>
+            </a:gs>
+            <a:gs pos="100000">
+              <a:schemeClr val="phClr">
+                <a:lumMod val="105000"/>
+                <a:satMod val="109000"/>
+                <a:tint val="81000"/>
+              </a:schemeClr>
+            </a:gs>
+          </a:gsLst>
+          <a:lin ang="5400000" scaled="0"/>
+        </a:gradFill>
+        <a:gradFill rotWithShape="1">
+          <a:gsLst>
+            <a:gs pos="0">
+              <a:schemeClr val="phClr">
+                <a:satMod val="103000"/>
+                <a:lumMod val="102000"/>
+                <a:tint val="94000"/>
+              </a:schemeClr>
+            </a:gs>
+            <a:gs pos="50000">
+              <a:schemeClr val="phClr">
+                <a:satMod val="110000"/>
+                <a:lumMod val="100000"/>
+                <a:shade val="100000"/>
+              </a:schemeClr>
+            </a:gs>
+            <a:gs pos="100000">
+              <a:schemeClr val="phClr">
+                <a:lumMod val="99000"/>
+                <a:satMod val="120000"/>
+                <a:shade val="78000"/>
+              </a:schemeClr>
+            </a:gs>
+          </a:gsLst>
+          <a:lin ang="5400000" scaled="0"/>
+        </a:gradFill>
+      </a:fillStyleLst>
+      <a:lnStyleLst>
+        <a:ln w="6350" cap="flat" cmpd="sng" algn="ctr">
+          <a:solidFill>
+            <a:schemeClr val="phClr"/>
+          </a:solidFill>
+          <a:prstDash val="solid"/>
+          <a:miter lim="800000"/>
+        </a:ln>
+        <a:ln w="12700" cap="flat" cmpd="sng" algn="ctr">
+          <a:solidFill>
+            <a:schemeClr val="phClr"/>
+          </a:solidFill>
+          <a:prstDash val="solid"/>
+          <a:miter lim="800000"/>
+        </a:ln>
+        <a:ln w="19050" cap="flat" cmpd="sng" algn="ctr">
+          <a:solidFill>
+            <a:schemeClr val="phClr"/>
+          </a:solidFill>
+          <a:prstDash val="solid"/>
+          <a:miter lim="800000"/>
+        </a:ln>
+      </a:lnStyleLst>
+      <a:effectStyleLst>
+        <a:effectStyle>
+          <a:effectLst/>
+        </a:effectStyle>
+        <a:effectStyle>
+          <a:effectLst/>
+        </a:effectStyle>
+        <a:effectStyle>
+          <a:effectLst>
+            <a:outerShdw blurRad="57150" dist="19050" dir="5400000" algn="ctr" rotWithShape="0">
+              <a:srgbClr val="000000">
+                <a:alpha val="63000"/>
+              </a:srgbClr>
+            </a:outerShdw>
+          </a:effectLst>
+        </a:effectStyle>
+      </a:effectStyleLst>
+      <a:bgFillStyleLst>
+        <a:solidFill>
+          <a:schemeClr val="phClr"/>
+        </a:solidFill>
+        <a:solidFill>
+          <a:schemeClr val="phClr">
+            <a:tint val="95000"/>
+            <a:satMod val="170000"/>
+          </a:schemeClr>
+        </a:solidFill>
+        <a:gradFill rotWithShape="1">
+          <a:gsLst>
+            <a:gs pos="0">
+              <a:schemeClr val="phClr">
+                <a:tint val="93000"/>
+                <a:satMod val="150000"/>
+                <a:shade val="98000"/>
+                <a:lumMod val="102000"/>
+              </a:schemeClr>
+            </a:gs>
+            <a:gs pos="50000">
+              <a:schemeClr val="phClr">
+                <a:tint val="98000"/>
+                <a:satMod val="130000"/>
+                <a:shade val="90000"/>
+                <a:lumMod val="103000"/>
+              </a:schemeClr>
+            </a:gs>
+            <a:gs pos="100000">
+              <a:schemeClr val="phClr">
+                <a:shade val="63000"/>
+                <a:satMod val="120000"/>
+              </a:schemeClr>
+            </a:gs>
+          </a:gsLst>
+          <a:lin ang="5400000" scaled="0"/>
+        </a:gradFill>
+      </a:bgFillStyleLst>
+    </a:fmtScheme>
+  </a:themeElements>
+  <a:objectDefaults/>
+  <a:extraClrSchemeLst/>
+  <a:extLst>
+    <a:ext uri="{05A4C25C-085E-4340-85A3-A5531E510DB2}">
+      <thm15:themeFamily xmlns:thm15="http://schemas.microsoft.com/office/thememl/2012/main" name="Office Theme" id="{62F939B6-93AF-4DB8-9C6B-D6C7DFDC589F}" vid="{4A3C46E8-61CC-4603-A589-7422A47A8E4A}"/>
+    </a:ext>
+  </a:extLst>
+</a:theme>
 </file>